--- a/training_birdsong_classifiers.pptx
+++ b/training_birdsong_classifiers.pptx
@@ -6,6 +6,11 @@
   </p:sldMasterIdLst>
   <p:sldIdLst>
     <p:sldId id="256" r:id="rId2"/>
+    <p:sldId id="257" r:id="rId3"/>
+    <p:sldId id="258" r:id="rId4"/>
+    <p:sldId id="259" r:id="rId5"/>
+    <p:sldId id="261" r:id="rId6"/>
+    <p:sldId id="260" r:id="rId7"/>
   </p:sldIdLst>
   <p:sldSz cx="9144000" cy="6858000" type="screen4x3"/>
   <p:notesSz cx="6858000" cy="9144000"/>
@@ -3074,18 +3079,14 @@
           <a:lstStyle/>
           <a:p>
             <a:r>
-              <a:rPr lang="en-US" smtClean="0"/>
+              <a:rPr lang="en-US" dirty="0" smtClean="0"/>
               <a:t>CSML1020</a:t>
             </a:r>
           </a:p>
           <a:p>
             <a:r>
-              <a:rPr lang="en-US" smtClean="0"/>
-              <a:t>Machine </a:t>
-            </a:r>
-            <a:r>
               <a:rPr lang="en-US" dirty="0" smtClean="0"/>
-              <a:t>Learning at Scale</a:t>
+              <a:t>Machine Learning at Scale</a:t>
             </a:r>
           </a:p>
           <a:p>
@@ -3110,6 +3111,426 @@
   <p:clrMapOvr>
     <a:masterClrMapping/>
   </p:clrMapOvr>
+</p:sld>
+</file>
+
+<file path=ppt/slides/slide2.xml><?xml version="1.0" encoding="utf-8"?>
+<p:sld xmlns:a="http://schemas.openxmlformats.org/drawingml/2006/main" xmlns:r="http://schemas.openxmlformats.org/officeDocument/2006/relationships" xmlns:p="http://schemas.openxmlformats.org/presentationml/2006/main">
+  <p:cSld>
+    <p:spTree>
+      <p:nvGrpSpPr>
+        <p:cNvPr id="1" name=""/>
+        <p:cNvGrpSpPr/>
+        <p:nvPr/>
+      </p:nvGrpSpPr>
+      <p:grpSpPr>
+        <a:xfrm>
+          <a:off x="0" y="0"/>
+          <a:ext cx="0" cy="0"/>
+          <a:chOff x="0" y="0"/>
+          <a:chExt cx="0" cy="0"/>
+        </a:xfrm>
+      </p:grpSpPr>
+      <p:sp>
+        <p:nvSpPr>
+          <p:cNvPr id="2" name="Title 1"/>
+          <p:cNvSpPr>
+            <a:spLocks noGrp="1"/>
+          </p:cNvSpPr>
+          <p:nvPr>
+            <p:ph type="title"/>
+          </p:nvPr>
+        </p:nvSpPr>
+        <p:spPr/>
+        <p:txBody>
+          <a:bodyPr/>
+          <a:lstStyle/>
+          <a:p>
+            <a:r>
+              <a:rPr lang="en-US" dirty="0" smtClean="0"/>
+              <a:t>My </a:t>
+            </a:r>
+            <a:r>
+              <a:rPr lang="en-US" dirty="0" err="1" smtClean="0"/>
+              <a:t>Favourite</a:t>
+            </a:r>
+            <a:r>
+              <a:rPr lang="en-US" dirty="0" smtClean="0"/>
+              <a:t> Chunk of Code</a:t>
+            </a:r>
+            <a:endParaRPr lang="en-US" dirty="0"/>
+          </a:p>
+        </p:txBody>
+      </p:sp>
+      <p:pic>
+        <p:nvPicPr>
+          <p:cNvPr id="4" name="Content Placeholder 3" descr="fave_code.png"/>
+          <p:cNvPicPr>
+            <a:picLocks noGrp="1" noChangeAspect="1"/>
+          </p:cNvPicPr>
+          <p:nvPr>
+            <p:ph idx="1"/>
+          </p:nvPr>
+        </p:nvPicPr>
+        <p:blipFill>
+          <a:blip r:embed="rId2"/>
+          <a:stretch>
+            <a:fillRect/>
+          </a:stretch>
+        </p:blipFill>
+        <p:spPr>
+          <a:xfrm>
+            <a:off x="-1" y="1828800"/>
+            <a:ext cx="9144001" cy="3910520"/>
+          </a:xfrm>
+        </p:spPr>
+      </p:pic>
+    </p:spTree>
+  </p:cSld>
+  <p:clrMapOvr>
+    <a:masterClrMapping/>
+  </p:clrMapOvr>
+</p:sld>
+</file>
+
+<file path=ppt/slides/slide3.xml><?xml version="1.0" encoding="utf-8"?>
+<p:sld xmlns:a="http://schemas.openxmlformats.org/drawingml/2006/main" xmlns:r="http://schemas.openxmlformats.org/officeDocument/2006/relationships" xmlns:p="http://schemas.openxmlformats.org/presentationml/2006/main">
+  <p:cSld>
+    <p:spTree>
+      <p:nvGrpSpPr>
+        <p:cNvPr id="1" name=""/>
+        <p:cNvGrpSpPr/>
+        <p:nvPr/>
+      </p:nvGrpSpPr>
+      <p:grpSpPr>
+        <a:xfrm>
+          <a:off x="0" y="0"/>
+          <a:ext cx="0" cy="0"/>
+          <a:chOff x="0" y="0"/>
+          <a:chExt cx="0" cy="0"/>
+        </a:xfrm>
+      </p:grpSpPr>
+      <p:sp>
+        <p:nvSpPr>
+          <p:cNvPr id="2" name="Title 1"/>
+          <p:cNvSpPr>
+            <a:spLocks noGrp="1"/>
+          </p:cNvSpPr>
+          <p:nvPr>
+            <p:ph type="title"/>
+          </p:nvPr>
+        </p:nvSpPr>
+        <p:spPr/>
+        <p:txBody>
+          <a:bodyPr/>
+          <a:lstStyle/>
+          <a:p>
+            <a:r>
+              <a:rPr lang="en-US" dirty="0" smtClean="0"/>
+              <a:t>Training Without Plot</a:t>
+            </a:r>
+            <a:endParaRPr lang="en-US" dirty="0"/>
+          </a:p>
+        </p:txBody>
+      </p:sp>
+      <p:pic>
+        <p:nvPicPr>
+          <p:cNvPr id="4" name="Content Placeholder 3" descr="training-lean-cropped.png"/>
+          <p:cNvPicPr>
+            <a:picLocks noGrp="1" noChangeAspect="1"/>
+          </p:cNvPicPr>
+          <p:nvPr>
+            <p:ph idx="1"/>
+          </p:nvPr>
+        </p:nvPicPr>
+        <p:blipFill>
+          <a:blip r:embed="rId2"/>
+          <a:stretch>
+            <a:fillRect/>
+          </a:stretch>
+        </p:blipFill>
+        <p:spPr>
+          <a:xfrm>
+            <a:off x="-11040" y="1419399"/>
+            <a:ext cx="9155040" cy="5338326"/>
+          </a:xfrm>
+        </p:spPr>
+      </p:pic>
+    </p:spTree>
+  </p:cSld>
+  <p:clrMapOvr>
+    <a:masterClrMapping/>
+  </p:clrMapOvr>
+  <p:timing>
+    <p:tnLst>
+      <p:par>
+        <p:cTn id="1" dur="indefinite" restart="never" nodeType="tmRoot"/>
+      </p:par>
+    </p:tnLst>
+  </p:timing>
+</p:sld>
+</file>
+
+<file path=ppt/slides/slide4.xml><?xml version="1.0" encoding="utf-8"?>
+<p:sld xmlns:a="http://schemas.openxmlformats.org/drawingml/2006/main" xmlns:r="http://schemas.openxmlformats.org/officeDocument/2006/relationships" xmlns:p="http://schemas.openxmlformats.org/presentationml/2006/main">
+  <p:cSld>
+    <p:spTree>
+      <p:nvGrpSpPr>
+        <p:cNvPr id="1" name=""/>
+        <p:cNvGrpSpPr/>
+        <p:nvPr/>
+      </p:nvGrpSpPr>
+      <p:grpSpPr>
+        <a:xfrm>
+          <a:off x="0" y="0"/>
+          <a:ext cx="0" cy="0"/>
+          <a:chOff x="0" y="0"/>
+          <a:chExt cx="0" cy="0"/>
+        </a:xfrm>
+      </p:grpSpPr>
+      <p:sp>
+        <p:nvSpPr>
+          <p:cNvPr id="2" name="Title 1"/>
+          <p:cNvSpPr>
+            <a:spLocks noGrp="1"/>
+          </p:cNvSpPr>
+          <p:nvPr>
+            <p:ph type="title"/>
+          </p:nvPr>
+        </p:nvSpPr>
+        <p:spPr/>
+        <p:txBody>
+          <a:bodyPr/>
+          <a:lstStyle/>
+          <a:p>
+            <a:r>
+              <a:rPr lang="en-US" dirty="0" smtClean="0"/>
+              <a:t>Training With Plot</a:t>
+            </a:r>
+            <a:endParaRPr lang="en-US" dirty="0"/>
+          </a:p>
+        </p:txBody>
+      </p:sp>
+      <p:pic>
+        <p:nvPicPr>
+          <p:cNvPr id="4" name="Content Placeholder 3" descr="training-plot-cropped.png"/>
+          <p:cNvPicPr>
+            <a:picLocks noGrp="1" noChangeAspect="1"/>
+          </p:cNvPicPr>
+          <p:nvPr>
+            <p:ph idx="1"/>
+          </p:nvPr>
+        </p:nvPicPr>
+        <p:blipFill>
+          <a:blip r:embed="rId2"/>
+          <a:stretch>
+            <a:fillRect/>
+          </a:stretch>
+        </p:blipFill>
+        <p:spPr>
+          <a:xfrm>
+            <a:off x="663757" y="1270468"/>
+            <a:ext cx="7718243" cy="5587532"/>
+          </a:xfrm>
+        </p:spPr>
+      </p:pic>
+    </p:spTree>
+  </p:cSld>
+  <p:clrMapOvr>
+    <a:masterClrMapping/>
+  </p:clrMapOvr>
+  <p:transition spd="slow">
+    <p:dissolve/>
+  </p:transition>
+  <p:timing>
+    <p:tnLst>
+      <p:par>
+        <p:cTn id="1" dur="indefinite" restart="never" nodeType="tmRoot"/>
+      </p:par>
+    </p:tnLst>
+  </p:timing>
+</p:sld>
+</file>
+
+<file path=ppt/slides/slide5.xml><?xml version="1.0" encoding="utf-8"?>
+<p:sld xmlns:a="http://schemas.openxmlformats.org/drawingml/2006/main" xmlns:r="http://schemas.openxmlformats.org/officeDocument/2006/relationships" xmlns:p="http://schemas.openxmlformats.org/presentationml/2006/main">
+  <p:cSld>
+    <p:spTree>
+      <p:nvGrpSpPr>
+        <p:cNvPr id="1" name=""/>
+        <p:cNvGrpSpPr/>
+        <p:nvPr/>
+      </p:nvGrpSpPr>
+      <p:grpSpPr>
+        <a:xfrm>
+          <a:off x="0" y="0"/>
+          <a:ext cx="0" cy="0"/>
+          <a:chOff x="0" y="0"/>
+          <a:chExt cx="0" cy="0"/>
+        </a:xfrm>
+      </p:grpSpPr>
+      <p:sp>
+        <p:nvSpPr>
+          <p:cNvPr id="2" name="Title 1"/>
+          <p:cNvSpPr>
+            <a:spLocks noGrp="1"/>
+          </p:cNvSpPr>
+          <p:nvPr>
+            <p:ph type="title"/>
+          </p:nvPr>
+        </p:nvSpPr>
+        <p:spPr/>
+        <p:txBody>
+          <a:bodyPr/>
+          <a:lstStyle/>
+          <a:p>
+            <a:r>
+              <a:rPr lang="en-US" dirty="0" smtClean="0"/>
+              <a:t>Feature Extraction for Humans?</a:t>
+            </a:r>
+            <a:endParaRPr lang="en-US" dirty="0"/>
+          </a:p>
+        </p:txBody>
+      </p:sp>
+      <p:pic>
+        <p:nvPicPr>
+          <p:cNvPr id="4" name="Content Placeholder 3" descr="features-for-humans.png"/>
+          <p:cNvPicPr>
+            <a:picLocks noGrp="1" noChangeAspect="1"/>
+          </p:cNvPicPr>
+          <p:nvPr>
+            <p:ph idx="1"/>
+          </p:nvPr>
+        </p:nvPicPr>
+        <p:blipFill>
+          <a:blip r:embed="rId2"/>
+          <a:stretch>
+            <a:fillRect/>
+          </a:stretch>
+        </p:blipFill>
+        <p:spPr>
+          <a:xfrm>
+            <a:off x="990600" y="1532209"/>
+            <a:ext cx="7084697" cy="5285909"/>
+          </a:xfrm>
+        </p:spPr>
+      </p:pic>
+    </p:spTree>
+  </p:cSld>
+  <p:clrMapOvr>
+    <a:masterClrMapping/>
+  </p:clrMapOvr>
+  <p:transition spd="slow">
+    <p:comb/>
+  </p:transition>
+  <p:timing>
+    <p:tnLst>
+      <p:par>
+        <p:cTn id="1" dur="indefinite" restart="never" nodeType="tmRoot"/>
+      </p:par>
+    </p:tnLst>
+  </p:timing>
+</p:sld>
+</file>
+
+<file path=ppt/slides/slide6.xml><?xml version="1.0" encoding="utf-8"?>
+<p:sld xmlns:a="http://schemas.openxmlformats.org/drawingml/2006/main" xmlns:r="http://schemas.openxmlformats.org/officeDocument/2006/relationships" xmlns:p="http://schemas.openxmlformats.org/presentationml/2006/main">
+  <p:cSld>
+    <p:spTree>
+      <p:nvGrpSpPr>
+        <p:cNvPr id="1" name=""/>
+        <p:cNvGrpSpPr/>
+        <p:nvPr/>
+      </p:nvGrpSpPr>
+      <p:grpSpPr>
+        <a:xfrm>
+          <a:off x="0" y="0"/>
+          <a:ext cx="0" cy="0"/>
+          <a:chOff x="0" y="0"/>
+          <a:chExt cx="0" cy="0"/>
+        </a:xfrm>
+      </p:grpSpPr>
+      <p:sp>
+        <p:nvSpPr>
+          <p:cNvPr id="2" name="Title 1"/>
+          <p:cNvSpPr>
+            <a:spLocks noGrp="1"/>
+          </p:cNvSpPr>
+          <p:nvPr>
+            <p:ph type="title"/>
+          </p:nvPr>
+        </p:nvSpPr>
+        <p:spPr/>
+        <p:txBody>
+          <a:bodyPr/>
+          <a:lstStyle/>
+          <a:p>
+            <a:r>
+              <a:rPr lang="en-US" dirty="0" smtClean="0"/>
+              <a:t>Future Work</a:t>
+            </a:r>
+            <a:endParaRPr lang="en-US" dirty="0"/>
+          </a:p>
+        </p:txBody>
+      </p:sp>
+      <p:sp>
+        <p:nvSpPr>
+          <p:cNvPr id="3" name="Content Placeholder 2"/>
+          <p:cNvSpPr>
+            <a:spLocks noGrp="1"/>
+          </p:cNvSpPr>
+          <p:nvPr>
+            <p:ph idx="1"/>
+          </p:nvPr>
+        </p:nvSpPr>
+        <p:spPr>
+          <a:xfrm>
+            <a:off x="1219200" y="1600200"/>
+            <a:ext cx="7467600" cy="4525963"/>
+          </a:xfrm>
+        </p:spPr>
+        <p:txBody>
+          <a:bodyPr>
+            <a:normAutofit/>
+          </a:bodyPr>
+          <a:lstStyle/>
+          <a:p>
+            <a:pPr algn="ctr"/>
+            <a:endParaRPr lang="en-US" sz="4800" dirty="0" smtClean="0"/>
+          </a:p>
+          <a:p>
+            <a:r>
+              <a:rPr lang="en-US" sz="4800" dirty="0" smtClean="0"/>
+              <a:t>More data, more birds</a:t>
+            </a:r>
+          </a:p>
+          <a:p>
+            <a:r>
+              <a:rPr lang="en-US" sz="4800" dirty="0" smtClean="0"/>
+              <a:t>More advanced models</a:t>
+            </a:r>
+          </a:p>
+          <a:p>
+            <a:r>
+              <a:rPr lang="en-US" sz="4800" dirty="0" smtClean="0"/>
+              <a:t>Deploy in the field</a:t>
+            </a:r>
+            <a:endParaRPr lang="en-US" sz="4800" dirty="0"/>
+          </a:p>
+        </p:txBody>
+      </p:sp>
+    </p:spTree>
+  </p:cSld>
+  <p:clrMapOvr>
+    <a:masterClrMapping/>
+  </p:clrMapOvr>
+  <p:timing>
+    <p:tnLst>
+      <p:par>
+        <p:cTn id="1" dur="indefinite" restart="never" nodeType="tmRoot"/>
+      </p:par>
+    </p:tnLst>
+  </p:timing>
 </p:sld>
 </file>
 

--- a/training_birdsong_classifiers.pptx
+++ b/training_birdsong_classifiers.pptx
@@ -6,11 +6,19 @@
   </p:sldMasterIdLst>
   <p:sldIdLst>
     <p:sldId id="256" r:id="rId2"/>
-    <p:sldId id="257" r:id="rId3"/>
-    <p:sldId id="258" r:id="rId4"/>
-    <p:sldId id="259" r:id="rId5"/>
-    <p:sldId id="261" r:id="rId6"/>
-    <p:sldId id="260" r:id="rId7"/>
+    <p:sldId id="262" r:id="rId3"/>
+    <p:sldId id="264" r:id="rId4"/>
+    <p:sldId id="269" r:id="rId5"/>
+    <p:sldId id="263" r:id="rId6"/>
+    <p:sldId id="270" r:id="rId7"/>
+    <p:sldId id="257" r:id="rId8"/>
+    <p:sldId id="258" r:id="rId9"/>
+    <p:sldId id="259" r:id="rId10"/>
+    <p:sldId id="265" r:id="rId11"/>
+    <p:sldId id="266" r:id="rId12"/>
+    <p:sldId id="267" r:id="rId13"/>
+    <p:sldId id="268" r:id="rId14"/>
+    <p:sldId id="260" r:id="rId15"/>
   </p:sldIdLst>
   <p:sldSz cx="9144000" cy="6858000" type="screen4x3"/>
   <p:notesSz cx="6858000" cy="9144000"/>
@@ -3114,6 +3122,488 @@
 </p:sld>
 </file>
 
+<file path=ppt/slides/slide10.xml><?xml version="1.0" encoding="utf-8"?>
+<p:sld xmlns:a="http://schemas.openxmlformats.org/drawingml/2006/main" xmlns:r="http://schemas.openxmlformats.org/officeDocument/2006/relationships" xmlns:p="http://schemas.openxmlformats.org/presentationml/2006/main">
+  <p:cSld>
+    <p:spTree>
+      <p:nvGrpSpPr>
+        <p:cNvPr id="1" name=""/>
+        <p:cNvGrpSpPr/>
+        <p:nvPr/>
+      </p:nvGrpSpPr>
+      <p:grpSpPr>
+        <a:xfrm>
+          <a:off x="0" y="0"/>
+          <a:ext cx="0" cy="0"/>
+          <a:chOff x="0" y="0"/>
+          <a:chExt cx="0" cy="0"/>
+        </a:xfrm>
+      </p:grpSpPr>
+      <p:sp>
+        <p:nvSpPr>
+          <p:cNvPr id="2" name="Title 1"/>
+          <p:cNvSpPr>
+            <a:spLocks noGrp="1"/>
+          </p:cNvSpPr>
+          <p:nvPr>
+            <p:ph type="title"/>
+          </p:nvPr>
+        </p:nvSpPr>
+        <p:spPr/>
+        <p:txBody>
+          <a:bodyPr>
+            <a:normAutofit fontScale="90000"/>
+          </a:bodyPr>
+          <a:lstStyle/>
+          <a:p>
+            <a:r>
+              <a:rPr lang="en-US" dirty="0" smtClean="0"/>
+              <a:t>Empathizing with ML Models on Raw Signal Data</a:t>
+            </a:r>
+            <a:endParaRPr lang="en-US" dirty="0"/>
+          </a:p>
+        </p:txBody>
+      </p:sp>
+      <p:pic>
+        <p:nvPicPr>
+          <p:cNvPr id="6" name="Content Placeholder 5" descr="my-model-me-2.jpg"/>
+          <p:cNvPicPr>
+            <a:picLocks noGrp="1" noChangeAspect="1"/>
+          </p:cNvPicPr>
+          <p:nvPr>
+            <p:ph idx="1"/>
+          </p:nvPr>
+        </p:nvPicPr>
+        <p:blipFill>
+          <a:blip r:embed="rId2" cstate="print"/>
+          <a:stretch>
+            <a:fillRect/>
+          </a:stretch>
+        </p:blipFill>
+        <p:spPr>
+          <a:xfrm>
+            <a:off x="152400" y="1828800"/>
+            <a:ext cx="8827521" cy="4753280"/>
+          </a:xfrm>
+        </p:spPr>
+      </p:pic>
+    </p:spTree>
+  </p:cSld>
+  <p:clrMapOvr>
+    <a:masterClrMapping/>
+  </p:clrMapOvr>
+</p:sld>
+</file>
+
+<file path=ppt/slides/slide11.xml><?xml version="1.0" encoding="utf-8"?>
+<p:sld xmlns:a="http://schemas.openxmlformats.org/drawingml/2006/main" xmlns:r="http://schemas.openxmlformats.org/officeDocument/2006/relationships" xmlns:p="http://schemas.openxmlformats.org/presentationml/2006/main">
+  <p:cSld>
+    <p:spTree>
+      <p:nvGrpSpPr>
+        <p:cNvPr id="1" name=""/>
+        <p:cNvGrpSpPr/>
+        <p:nvPr/>
+      </p:nvGrpSpPr>
+      <p:grpSpPr>
+        <a:xfrm>
+          <a:off x="0" y="0"/>
+          <a:ext cx="0" cy="0"/>
+          <a:chOff x="0" y="0"/>
+          <a:chExt cx="0" cy="0"/>
+        </a:xfrm>
+      </p:grpSpPr>
+      <p:sp>
+        <p:nvSpPr>
+          <p:cNvPr id="2" name="Title 1"/>
+          <p:cNvSpPr>
+            <a:spLocks noGrp="1"/>
+          </p:cNvSpPr>
+          <p:nvPr>
+            <p:ph type="title"/>
+          </p:nvPr>
+        </p:nvSpPr>
+        <p:spPr/>
+        <p:txBody>
+          <a:bodyPr/>
+          <a:lstStyle/>
+          <a:p>
+            <a:r>
+              <a:rPr lang="en-US" dirty="0" smtClean="0"/>
+              <a:t>Scaling Up</a:t>
+            </a:r>
+            <a:endParaRPr lang="en-US" dirty="0"/>
+          </a:p>
+        </p:txBody>
+      </p:sp>
+      <p:sp>
+        <p:nvSpPr>
+          <p:cNvPr id="3" name="Content Placeholder 2"/>
+          <p:cNvSpPr>
+            <a:spLocks noGrp="1"/>
+          </p:cNvSpPr>
+          <p:nvPr>
+            <p:ph idx="1"/>
+          </p:nvPr>
+        </p:nvSpPr>
+        <p:spPr/>
+        <p:txBody>
+          <a:bodyPr/>
+          <a:lstStyle/>
+          <a:p>
+            <a:r>
+              <a:rPr lang="en-US" dirty="0" smtClean="0"/>
+              <a:t>Use all the species in the dataset</a:t>
+            </a:r>
+          </a:p>
+          <a:p>
+            <a:r>
+              <a:rPr lang="en-US" dirty="0" smtClean="0"/>
+              <a:t>Increase size of model’s input layer</a:t>
+            </a:r>
+          </a:p>
+          <a:p>
+            <a:r>
+              <a:rPr lang="en-US" dirty="0" smtClean="0"/>
+              <a:t>More samples from sliding windows</a:t>
+            </a:r>
+          </a:p>
+          <a:p>
+            <a:r>
+              <a:rPr lang="en-US" dirty="0" smtClean="0"/>
+              <a:t>More steps per Epoch</a:t>
+            </a:r>
+          </a:p>
+          <a:p>
+            <a:r>
+              <a:rPr lang="en-US" dirty="0" smtClean="0"/>
+              <a:t>More Epochs</a:t>
+            </a:r>
+          </a:p>
+          <a:p>
+            <a:pPr>
+              <a:buNone/>
+            </a:pPr>
+            <a:r>
+              <a:rPr lang="en-US" sz="4800" dirty="0" smtClean="0"/>
+              <a:t>Immediate Result:</a:t>
+            </a:r>
+          </a:p>
+          <a:p>
+            <a:r>
+              <a:rPr lang="en-US" dirty="0" smtClean="0"/>
+              <a:t>Overtraining</a:t>
+            </a:r>
+            <a:endParaRPr lang="en-US" dirty="0"/>
+          </a:p>
+        </p:txBody>
+      </p:sp>
+    </p:spTree>
+  </p:cSld>
+  <p:clrMapOvr>
+    <a:masterClrMapping/>
+  </p:clrMapOvr>
+</p:sld>
+</file>
+
+<file path=ppt/slides/slide12.xml><?xml version="1.0" encoding="utf-8"?>
+<p:sld xmlns:a="http://schemas.openxmlformats.org/drawingml/2006/main" xmlns:r="http://schemas.openxmlformats.org/officeDocument/2006/relationships" xmlns:p="http://schemas.openxmlformats.org/presentationml/2006/main">
+  <p:cSld>
+    <p:spTree>
+      <p:nvGrpSpPr>
+        <p:cNvPr id="1" name=""/>
+        <p:cNvGrpSpPr/>
+        <p:nvPr/>
+      </p:nvGrpSpPr>
+      <p:grpSpPr>
+        <a:xfrm>
+          <a:off x="0" y="0"/>
+          <a:ext cx="0" cy="0"/>
+          <a:chOff x="0" y="0"/>
+          <a:chExt cx="0" cy="0"/>
+        </a:xfrm>
+      </p:grpSpPr>
+      <p:sp>
+        <p:nvSpPr>
+          <p:cNvPr id="2" name="Title 1"/>
+          <p:cNvSpPr>
+            <a:spLocks noGrp="1"/>
+          </p:cNvSpPr>
+          <p:nvPr>
+            <p:ph type="title"/>
+          </p:nvPr>
+        </p:nvSpPr>
+        <p:spPr/>
+        <p:txBody>
+          <a:bodyPr/>
+          <a:lstStyle/>
+          <a:p>
+            <a:r>
+              <a:rPr lang="en-US" dirty="0" smtClean="0"/>
+              <a:t>Reducing Overtraining</a:t>
+            </a:r>
+            <a:endParaRPr lang="en-US" dirty="0"/>
+          </a:p>
+        </p:txBody>
+      </p:sp>
+      <p:sp>
+        <p:nvSpPr>
+          <p:cNvPr id="3" name="Content Placeholder 2"/>
+          <p:cNvSpPr>
+            <a:spLocks noGrp="1"/>
+          </p:cNvSpPr>
+          <p:nvPr>
+            <p:ph idx="1"/>
+          </p:nvPr>
+        </p:nvSpPr>
+        <p:spPr/>
+        <p:txBody>
+          <a:bodyPr/>
+          <a:lstStyle/>
+          <a:p>
+            <a:r>
+              <a:rPr lang="en-US" dirty="0" smtClean="0"/>
+              <a:t>Decrease learning rate</a:t>
+            </a:r>
+          </a:p>
+          <a:p>
+            <a:r>
+              <a:rPr lang="en-US" dirty="0" smtClean="0"/>
+              <a:t>Adjust learning rate decay</a:t>
+            </a:r>
+          </a:p>
+          <a:p>
+            <a:r>
+              <a:rPr lang="en-US" dirty="0" smtClean="0"/>
+              <a:t>Adam, </a:t>
+            </a:r>
+            <a:r>
+              <a:rPr lang="en-US" dirty="0" err="1" smtClean="0"/>
+              <a:t>RMSProp</a:t>
+            </a:r>
+            <a:r>
+              <a:rPr lang="en-US" dirty="0" smtClean="0"/>
+              <a:t> optimizers</a:t>
+            </a:r>
+          </a:p>
+          <a:p>
+            <a:r>
+              <a:rPr lang="en-US" dirty="0" smtClean="0"/>
+              <a:t>Momentum</a:t>
+            </a:r>
+          </a:p>
+          <a:p>
+            <a:r>
+              <a:rPr lang="en-US" dirty="0" smtClean="0"/>
+              <a:t>More slices!</a:t>
+            </a:r>
+          </a:p>
+          <a:p>
+            <a:endParaRPr lang="en-US" dirty="0" smtClean="0"/>
+          </a:p>
+        </p:txBody>
+      </p:sp>
+    </p:spTree>
+  </p:cSld>
+  <p:clrMapOvr>
+    <a:masterClrMapping/>
+  </p:clrMapOvr>
+</p:sld>
+</file>
+
+<file path=ppt/slides/slide13.xml><?xml version="1.0" encoding="utf-8"?>
+<p:sld xmlns:a="http://schemas.openxmlformats.org/drawingml/2006/main" xmlns:r="http://schemas.openxmlformats.org/officeDocument/2006/relationships" xmlns:p="http://schemas.openxmlformats.org/presentationml/2006/main">
+  <p:cSld>
+    <p:spTree>
+      <p:nvGrpSpPr>
+        <p:cNvPr id="1" name=""/>
+        <p:cNvGrpSpPr/>
+        <p:nvPr/>
+      </p:nvGrpSpPr>
+      <p:grpSpPr>
+        <a:xfrm>
+          <a:off x="0" y="0"/>
+          <a:ext cx="0" cy="0"/>
+          <a:chOff x="0" y="0"/>
+          <a:chExt cx="0" cy="0"/>
+        </a:xfrm>
+      </p:grpSpPr>
+      <p:sp>
+        <p:nvSpPr>
+          <p:cNvPr id="2" name="Title 1"/>
+          <p:cNvSpPr>
+            <a:spLocks noGrp="1"/>
+          </p:cNvSpPr>
+          <p:nvPr>
+            <p:ph type="title"/>
+          </p:nvPr>
+        </p:nvSpPr>
+        <p:spPr/>
+        <p:txBody>
+          <a:bodyPr/>
+          <a:lstStyle/>
+          <a:p>
+            <a:r>
+              <a:rPr lang="en-US" dirty="0" smtClean="0"/>
+              <a:t>Conclusions</a:t>
+            </a:r>
+            <a:endParaRPr lang="en-US" dirty="0"/>
+          </a:p>
+        </p:txBody>
+      </p:sp>
+      <p:sp>
+        <p:nvSpPr>
+          <p:cNvPr id="3" name="Content Placeholder 2"/>
+          <p:cNvSpPr>
+            <a:spLocks noGrp="1"/>
+          </p:cNvSpPr>
+          <p:nvPr>
+            <p:ph idx="1"/>
+          </p:nvPr>
+        </p:nvSpPr>
+        <p:spPr/>
+        <p:txBody>
+          <a:bodyPr/>
+          <a:lstStyle/>
+          <a:p>
+            <a:r>
+              <a:rPr lang="en-US" dirty="0" smtClean="0"/>
+              <a:t>Spectrograms with a </a:t>
+            </a:r>
+            <a:r>
+              <a:rPr lang="en-US" dirty="0" err="1" smtClean="0"/>
+              <a:t>ConvNet</a:t>
+            </a:r>
+            <a:r>
+              <a:rPr lang="en-US" dirty="0" smtClean="0"/>
+              <a:t> are the simplest most common approach</a:t>
+            </a:r>
+          </a:p>
+          <a:p>
+            <a:r>
+              <a:rPr lang="en-US" dirty="0" smtClean="0"/>
+              <a:t>Using a flattened VGG-19 to extract audio features is powerful, but mysterious</a:t>
+            </a:r>
+          </a:p>
+          <a:p>
+            <a:r>
+              <a:rPr lang="en-US" dirty="0" smtClean="0"/>
+              <a:t>LSTMs are a mighty sophisticated tool to use for identifying bird species</a:t>
+            </a:r>
+          </a:p>
+          <a:p>
+            <a:endParaRPr lang="en-US" dirty="0"/>
+          </a:p>
+        </p:txBody>
+      </p:sp>
+    </p:spTree>
+  </p:cSld>
+  <p:clrMapOvr>
+    <a:masterClrMapping/>
+  </p:clrMapOvr>
+</p:sld>
+</file>
+
+<file path=ppt/slides/slide14.xml><?xml version="1.0" encoding="utf-8"?>
+<p:sld xmlns:a="http://schemas.openxmlformats.org/drawingml/2006/main" xmlns:r="http://schemas.openxmlformats.org/officeDocument/2006/relationships" xmlns:p="http://schemas.openxmlformats.org/presentationml/2006/main">
+  <p:cSld>
+    <p:spTree>
+      <p:nvGrpSpPr>
+        <p:cNvPr id="1" name=""/>
+        <p:cNvGrpSpPr/>
+        <p:nvPr/>
+      </p:nvGrpSpPr>
+      <p:grpSpPr>
+        <a:xfrm>
+          <a:off x="0" y="0"/>
+          <a:ext cx="0" cy="0"/>
+          <a:chOff x="0" y="0"/>
+          <a:chExt cx="0" cy="0"/>
+        </a:xfrm>
+      </p:grpSpPr>
+      <p:sp>
+        <p:nvSpPr>
+          <p:cNvPr id="2" name="Title 1"/>
+          <p:cNvSpPr>
+            <a:spLocks noGrp="1"/>
+          </p:cNvSpPr>
+          <p:nvPr>
+            <p:ph type="title"/>
+          </p:nvPr>
+        </p:nvSpPr>
+        <p:spPr/>
+        <p:txBody>
+          <a:bodyPr/>
+          <a:lstStyle/>
+          <a:p>
+            <a:r>
+              <a:rPr lang="en-US" dirty="0" smtClean="0"/>
+              <a:t>Future Work</a:t>
+            </a:r>
+            <a:endParaRPr lang="en-US" dirty="0"/>
+          </a:p>
+        </p:txBody>
+      </p:sp>
+      <p:sp>
+        <p:nvSpPr>
+          <p:cNvPr id="3" name="Content Placeholder 2"/>
+          <p:cNvSpPr>
+            <a:spLocks noGrp="1"/>
+          </p:cNvSpPr>
+          <p:nvPr>
+            <p:ph idx="1"/>
+          </p:nvPr>
+        </p:nvSpPr>
+        <p:spPr>
+          <a:xfrm>
+            <a:off x="1219200" y="1600200"/>
+            <a:ext cx="7467600" cy="4525963"/>
+          </a:xfrm>
+        </p:spPr>
+        <p:txBody>
+          <a:bodyPr>
+            <a:normAutofit/>
+          </a:bodyPr>
+          <a:lstStyle/>
+          <a:p>
+            <a:pPr algn="ctr"/>
+            <a:endParaRPr lang="en-US" sz="4800" dirty="0" smtClean="0"/>
+          </a:p>
+          <a:p>
+            <a:r>
+              <a:rPr lang="en-US" sz="4800" dirty="0" smtClean="0"/>
+              <a:t>More data, more birds</a:t>
+            </a:r>
+          </a:p>
+          <a:p>
+            <a:r>
+              <a:rPr lang="en-US" sz="4800" dirty="0" smtClean="0"/>
+              <a:t>More advanced models</a:t>
+            </a:r>
+          </a:p>
+          <a:p>
+            <a:r>
+              <a:rPr lang="en-US" sz="4800" dirty="0" smtClean="0"/>
+              <a:t>Deploy in the field</a:t>
+            </a:r>
+            <a:endParaRPr lang="en-US" sz="4800" dirty="0"/>
+          </a:p>
+        </p:txBody>
+      </p:sp>
+    </p:spTree>
+  </p:cSld>
+  <p:clrMapOvr>
+    <a:masterClrMapping/>
+  </p:clrMapOvr>
+  <p:timing>
+    <p:tnLst>
+      <p:par>
+        <p:cTn id="1" dur="indefinite" restart="never" nodeType="tmRoot"/>
+      </p:par>
+    </p:tnLst>
+  </p:timing>
+</p:sld>
+</file>
+
 <file path=ppt/slides/slide2.xml><?xml version="1.0" encoding="utf-8"?>
 <p:sld xmlns:a="http://schemas.openxmlformats.org/drawingml/2006/main" xmlns:r="http://schemas.openxmlformats.org/officeDocument/2006/relationships" xmlns:p="http://schemas.openxmlformats.org/presentationml/2006/main">
   <p:cSld>
@@ -3148,43 +3638,49 @@
           <a:p>
             <a:r>
               <a:rPr lang="en-US" dirty="0" smtClean="0"/>
-              <a:t>My </a:t>
-            </a:r>
-            <a:r>
-              <a:rPr lang="en-US" dirty="0" err="1" smtClean="0"/>
-              <a:t>Favourite</a:t>
-            </a:r>
-            <a:r>
-              <a:rPr lang="en-US" dirty="0" smtClean="0"/>
-              <a:t> Chunk of Code</a:t>
+              <a:t>Objectives</a:t>
             </a:r>
             <a:endParaRPr lang="en-US" dirty="0"/>
           </a:p>
         </p:txBody>
       </p:sp>
-      <p:pic>
-        <p:nvPicPr>
-          <p:cNvPr id="4" name="Content Placeholder 3" descr="fave_code.png"/>
-          <p:cNvPicPr>
-            <a:picLocks noGrp="1" noChangeAspect="1"/>
-          </p:cNvPicPr>
+      <p:sp>
+        <p:nvSpPr>
+          <p:cNvPr id="3" name="Content Placeholder 2"/>
+          <p:cNvSpPr>
+            <a:spLocks noGrp="1"/>
+          </p:cNvSpPr>
           <p:nvPr>
             <p:ph idx="1"/>
           </p:nvPr>
-        </p:nvPicPr>
-        <p:blipFill>
-          <a:blip r:embed="rId2"/>
-          <a:stretch>
-            <a:fillRect/>
-          </a:stretch>
-        </p:blipFill>
-        <p:spPr>
-          <a:xfrm>
-            <a:off x="-1" y="1828800"/>
-            <a:ext cx="9144001" cy="3910520"/>
-          </a:xfrm>
-        </p:spPr>
-      </p:pic>
+        </p:nvSpPr>
+        <p:spPr/>
+        <p:txBody>
+          <a:bodyPr>
+            <a:normAutofit/>
+          </a:bodyPr>
+          <a:lstStyle/>
+          <a:p>
+            <a:r>
+              <a:rPr lang="en-US" sz="4800" dirty="0" smtClean="0"/>
+              <a:t>Use deep learning to classify bird songs</a:t>
+            </a:r>
+          </a:p>
+          <a:p>
+            <a:r>
+              <a:rPr lang="en-US" sz="4800" dirty="0" smtClean="0"/>
+              <a:t>Play with models in the cloud</a:t>
+            </a:r>
+          </a:p>
+          <a:p>
+            <a:r>
+              <a:rPr lang="en-US" sz="4800" dirty="0" smtClean="0"/>
+              <a:t>Identify bird species in the real world</a:t>
+            </a:r>
+            <a:endParaRPr lang="en-US" sz="4800" dirty="0"/>
+          </a:p>
+        </p:txBody>
+      </p:sp>
     </p:spTree>
   </p:cSld>
   <p:clrMapOvr>
@@ -3227,47 +3723,88 @@
           <a:p>
             <a:r>
               <a:rPr lang="en-US" dirty="0" smtClean="0"/>
-              <a:t>Training Without Plot</a:t>
+              <a:t>Previous Work</a:t>
             </a:r>
             <a:endParaRPr lang="en-US" dirty="0"/>
           </a:p>
         </p:txBody>
       </p:sp>
-      <p:pic>
-        <p:nvPicPr>
-          <p:cNvPr id="4" name="Content Placeholder 3" descr="training-lean-cropped.png"/>
-          <p:cNvPicPr>
-            <a:picLocks noGrp="1" noChangeAspect="1"/>
-          </p:cNvPicPr>
+      <p:sp>
+        <p:nvSpPr>
+          <p:cNvPr id="3" name="Content Placeholder 2"/>
+          <p:cNvSpPr>
+            <a:spLocks noGrp="1"/>
+          </p:cNvSpPr>
           <p:nvPr>
             <p:ph idx="1"/>
           </p:nvPr>
-        </p:nvPicPr>
-        <p:blipFill>
-          <a:blip r:embed="rId2"/>
-          <a:stretch>
-            <a:fillRect/>
-          </a:stretch>
-        </p:blipFill>
-        <p:spPr>
-          <a:xfrm>
-            <a:off x="-11040" y="1419399"/>
-            <a:ext cx="9155040" cy="5338326"/>
-          </a:xfrm>
-        </p:spPr>
-      </p:pic>
+        </p:nvSpPr>
+        <p:spPr/>
+        <p:txBody>
+          <a:bodyPr/>
+          <a:lstStyle/>
+          <a:p>
+            <a:r>
+              <a:rPr lang="en-US" dirty="0" smtClean="0"/>
+              <a:t>Data comes from a 2013 </a:t>
+            </a:r>
+            <a:r>
+              <a:rPr lang="en-US" dirty="0" err="1" smtClean="0"/>
+              <a:t>Kaggle</a:t>
+            </a:r>
+            <a:r>
+              <a:rPr lang="en-US" dirty="0" smtClean="0"/>
+              <a:t> competition</a:t>
+            </a:r>
+          </a:p>
+          <a:p>
+            <a:pPr>
+              <a:buNone/>
+            </a:pPr>
+            <a:r>
+              <a:rPr lang="en-US" sz="4400" dirty="0" smtClean="0"/>
+              <a:t>Many successful commercial apps</a:t>
+            </a:r>
+          </a:p>
+          <a:p>
+            <a:r>
+              <a:rPr lang="en-US" dirty="0" smtClean="0"/>
+              <a:t>Merlin Bird ID by Cornell Lab</a:t>
+            </a:r>
+          </a:p>
+          <a:p>
+            <a:r>
+              <a:rPr lang="en-US" dirty="0" smtClean="0"/>
+              <a:t>Bird Song Id Canada</a:t>
+            </a:r>
+          </a:p>
+          <a:p>
+            <a:r>
+              <a:rPr lang="en-US" dirty="0" smtClean="0"/>
+              <a:t>Song Sleuth</a:t>
+            </a:r>
+          </a:p>
+          <a:p>
+            <a:r>
+              <a:rPr lang="en-US" dirty="0" err="1" smtClean="0"/>
+              <a:t>BirdNET</a:t>
+            </a:r>
+            <a:endParaRPr lang="en-US" dirty="0"/>
+          </a:p>
+          <a:p>
+            <a:r>
+              <a:rPr lang="en-US" dirty="0" err="1" smtClean="0"/>
+              <a:t>ChirpOMatic</a:t>
+            </a:r>
+            <a:endParaRPr lang="en-US" dirty="0"/>
+          </a:p>
+        </p:txBody>
+      </p:sp>
     </p:spTree>
   </p:cSld>
   <p:clrMapOvr>
     <a:masterClrMapping/>
   </p:clrMapOvr>
-  <p:timing>
-    <p:tnLst>
-      <p:par>
-        <p:cTn id="1" dur="indefinite" restart="never" nodeType="tmRoot"/>
-      </p:par>
-    </p:tnLst>
-  </p:timing>
 </p:sld>
 </file>
 
@@ -3300,55 +3837,105 @@
         </p:nvSpPr>
         <p:spPr/>
         <p:txBody>
-          <a:bodyPr/>
-          <a:lstStyle/>
-          <a:p>
-            <a:r>
-              <a:rPr lang="en-US" dirty="0" smtClean="0"/>
-              <a:t>Training With Plot</a:t>
+          <a:bodyPr>
+            <a:normAutofit fontScale="90000"/>
+          </a:bodyPr>
+          <a:lstStyle/>
+          <a:p>
+            <a:r>
+              <a:rPr lang="en-US" dirty="0" smtClean="0"/>
+              <a:t>Contributes to Human Learning</a:t>
             </a:r>
             <a:endParaRPr lang="en-US" dirty="0"/>
           </a:p>
         </p:txBody>
       </p:sp>
-      <p:pic>
-        <p:nvPicPr>
-          <p:cNvPr id="4" name="Content Placeholder 3" descr="training-plot-cropped.png"/>
-          <p:cNvPicPr>
-            <a:picLocks noGrp="1" noChangeAspect="1"/>
-          </p:cNvPicPr>
+      <p:sp>
+        <p:nvSpPr>
+          <p:cNvPr id="3" name="Content Placeholder 2"/>
+          <p:cNvSpPr>
+            <a:spLocks noGrp="1"/>
+          </p:cNvSpPr>
           <p:nvPr>
             <p:ph idx="1"/>
           </p:nvPr>
-        </p:nvPicPr>
-        <p:blipFill>
-          <a:blip r:embed="rId2"/>
-          <a:stretch>
-            <a:fillRect/>
-          </a:stretch>
-        </p:blipFill>
-        <p:spPr>
-          <a:xfrm>
-            <a:off x="663757" y="1270468"/>
-            <a:ext cx="7718243" cy="5587532"/>
-          </a:xfrm>
-        </p:spPr>
-      </p:pic>
+        </p:nvSpPr>
+        <p:spPr/>
+        <p:txBody>
+          <a:bodyPr/>
+          <a:lstStyle/>
+          <a:p>
+            <a:pPr marL="514350" indent="-514350">
+              <a:buFont typeface="+mj-lt"/>
+              <a:buAutoNum type="arabicPeriod"/>
+            </a:pPr>
+            <a:r>
+              <a:rPr lang="en-US" dirty="0" smtClean="0"/>
+              <a:t>You and app hear bird song</a:t>
+            </a:r>
+          </a:p>
+          <a:p>
+            <a:pPr marL="514350" indent="-514350">
+              <a:buFont typeface="+mj-lt"/>
+              <a:buAutoNum type="arabicPeriod"/>
+            </a:pPr>
+            <a:r>
+              <a:rPr lang="en-US" dirty="0" smtClean="0"/>
+              <a:t>App performs inference, displays output</a:t>
+            </a:r>
+          </a:p>
+          <a:p>
+            <a:pPr marL="514350" indent="-514350">
+              <a:buFont typeface="+mj-lt"/>
+              <a:buAutoNum type="arabicPeriod"/>
+            </a:pPr>
+            <a:r>
+              <a:rPr lang="en-US" dirty="0" smtClean="0"/>
+              <a:t>You have “label” for your “training data”</a:t>
+            </a:r>
+          </a:p>
+          <a:p>
+            <a:pPr marL="514350" indent="-514350">
+              <a:buFont typeface="+mj-lt"/>
+              <a:buAutoNum type="arabicPeriod"/>
+            </a:pPr>
+            <a:r>
+              <a:rPr lang="en-US" dirty="0" smtClean="0"/>
+              <a:t>You learn</a:t>
+            </a:r>
+          </a:p>
+          <a:p>
+            <a:pPr marL="514350" indent="-514350">
+              <a:buNone/>
+            </a:pPr>
+            <a:endParaRPr lang="en-US" dirty="0" smtClean="0"/>
+          </a:p>
+          <a:p>
+            <a:pPr marL="514350" indent="-514350"/>
+            <a:r>
+              <a:rPr lang="en-US" dirty="0" smtClean="0"/>
+              <a:t>App allows you to perform supervised learning on live environmental data by labeling it for you.</a:t>
+            </a:r>
+          </a:p>
+          <a:p>
+            <a:pPr marL="514350" indent="-514350">
+              <a:buNone/>
+            </a:pPr>
+            <a:endParaRPr lang="en-US" dirty="0" smtClean="0"/>
+          </a:p>
+          <a:p>
+            <a:pPr marL="514350" indent="-514350">
+              <a:buNone/>
+            </a:pPr>
+            <a:endParaRPr lang="en-US" dirty="0"/>
+          </a:p>
+        </p:txBody>
+      </p:sp>
     </p:spTree>
   </p:cSld>
   <p:clrMapOvr>
     <a:masterClrMapping/>
   </p:clrMapOvr>
-  <p:transition spd="slow">
-    <p:dissolve/>
-  </p:transition>
-  <p:timing>
-    <p:tnLst>
-      <p:par>
-        <p:cTn id="1" dur="indefinite" restart="never" nodeType="tmRoot"/>
-      </p:par>
-    </p:tnLst>
-  </p:timing>
 </p:sld>
 </file>
 
@@ -3386,50 +3973,60 @@
           <a:p>
             <a:r>
               <a:rPr lang="en-US" dirty="0" smtClean="0"/>
-              <a:t>Feature Extraction for Humans?</a:t>
+              <a:t>Approaches</a:t>
             </a:r>
             <a:endParaRPr lang="en-US" dirty="0"/>
           </a:p>
         </p:txBody>
       </p:sp>
-      <p:pic>
-        <p:nvPicPr>
-          <p:cNvPr id="4" name="Content Placeholder 3" descr="features-for-humans.png"/>
-          <p:cNvPicPr>
-            <a:picLocks noGrp="1" noChangeAspect="1"/>
-          </p:cNvPicPr>
+      <p:sp>
+        <p:nvSpPr>
+          <p:cNvPr id="3" name="Content Placeholder 2"/>
+          <p:cNvSpPr>
+            <a:spLocks noGrp="1"/>
+          </p:cNvSpPr>
           <p:nvPr>
             <p:ph idx="1"/>
           </p:nvPr>
-        </p:nvPicPr>
-        <p:blipFill>
-          <a:blip r:embed="rId2"/>
-          <a:stretch>
-            <a:fillRect/>
-          </a:stretch>
-        </p:blipFill>
-        <p:spPr>
-          <a:xfrm>
-            <a:off x="990600" y="1532209"/>
-            <a:ext cx="7084697" cy="5285909"/>
-          </a:xfrm>
-        </p:spPr>
-      </p:pic>
+        </p:nvSpPr>
+        <p:spPr/>
+        <p:txBody>
+          <a:bodyPr/>
+          <a:lstStyle/>
+          <a:p>
+            <a:r>
+              <a:rPr lang="en-US" dirty="0" smtClean="0"/>
+              <a:t>Feature extraction with spectrograms, train a </a:t>
+            </a:r>
+            <a:r>
+              <a:rPr lang="en-US" dirty="0" err="1" smtClean="0"/>
+              <a:t>Convolutional</a:t>
+            </a:r>
+            <a:r>
+              <a:rPr lang="en-US" dirty="0" smtClean="0"/>
+              <a:t> Network from scratch</a:t>
+            </a:r>
+          </a:p>
+          <a:p>
+            <a:r>
+              <a:rPr lang="en-US" dirty="0" smtClean="0"/>
+              <a:t>Feature extraction with a flattened, pre-trained VGG-19, training and inference with an SVC (support vector classifier)</a:t>
+            </a:r>
+          </a:p>
+          <a:p>
+            <a:r>
+              <a:rPr lang="en-US" dirty="0" smtClean="0"/>
+              <a:t>A search for an approach to features that would work for an LSTM or other sequential neural network</a:t>
+            </a:r>
+            <a:endParaRPr lang="en-US" dirty="0"/>
+          </a:p>
+        </p:txBody>
+      </p:sp>
     </p:spTree>
   </p:cSld>
   <p:clrMapOvr>
     <a:masterClrMapping/>
   </p:clrMapOvr>
-  <p:transition spd="slow">
-    <p:comb/>
-  </p:transition>
-  <p:timing>
-    <p:tnLst>
-      <p:par>
-        <p:cTn id="1" dur="indefinite" restart="never" nodeType="tmRoot"/>
-      </p:par>
-    </p:tnLst>
-  </p:timing>
 </p:sld>
 </file>
 
@@ -3462,68 +4059,282 @@
         </p:nvSpPr>
         <p:spPr/>
         <p:txBody>
-          <a:bodyPr/>
-          <a:lstStyle/>
-          <a:p>
-            <a:r>
-              <a:rPr lang="en-US" dirty="0" smtClean="0"/>
-              <a:t>Future Work</a:t>
+          <a:bodyPr>
+            <a:normAutofit fontScale="90000"/>
+          </a:bodyPr>
+          <a:lstStyle/>
+          <a:p>
+            <a:r>
+              <a:rPr lang="en-US" dirty="0" smtClean="0"/>
+              <a:t>Feature Extraction with </a:t>
+            </a:r>
+            <a:r>
+              <a:rPr lang="en-US" dirty="0" err="1" smtClean="0"/>
+              <a:t>Librosa</a:t>
             </a:r>
             <a:endParaRPr lang="en-US" dirty="0"/>
           </a:p>
         </p:txBody>
       </p:sp>
-      <p:sp>
-        <p:nvSpPr>
-          <p:cNvPr id="3" name="Content Placeholder 2"/>
-          <p:cNvSpPr>
-            <a:spLocks noGrp="1"/>
-          </p:cNvSpPr>
+      <p:pic>
+        <p:nvPicPr>
+          <p:cNvPr id="4" name="Content Placeholder 3" descr="mfccs_sample_2.png"/>
+          <p:cNvPicPr>
+            <a:picLocks noGrp="1" noChangeAspect="1"/>
+          </p:cNvPicPr>
           <p:nvPr>
             <p:ph idx="1"/>
           </p:nvPr>
-        </p:nvSpPr>
+        </p:nvPicPr>
+        <p:blipFill>
+          <a:blip r:embed="rId2"/>
+          <a:stretch>
+            <a:fillRect/>
+          </a:stretch>
+        </p:blipFill>
         <p:spPr>
           <a:xfrm>
-            <a:off x="1219200" y="1600200"/>
-            <a:ext cx="7467600" cy="4525963"/>
+            <a:off x="457201" y="1600199"/>
+            <a:ext cx="8328196" cy="5075475"/>
           </a:xfrm>
         </p:spPr>
-        <p:txBody>
-          <a:bodyPr>
-            <a:normAutofit/>
-          </a:bodyPr>
-          <a:lstStyle/>
-          <a:p>
-            <a:pPr algn="ctr"/>
-            <a:endParaRPr lang="en-US" sz="4800" dirty="0" smtClean="0"/>
-          </a:p>
-          <a:p>
-            <a:r>
-              <a:rPr lang="en-US" sz="4800" dirty="0" smtClean="0"/>
-              <a:t>More data, more birds</a:t>
-            </a:r>
-          </a:p>
-          <a:p>
-            <a:r>
-              <a:rPr lang="en-US" sz="4800" dirty="0" smtClean="0"/>
-              <a:t>More advanced models</a:t>
-            </a:r>
-          </a:p>
-          <a:p>
-            <a:r>
-              <a:rPr lang="en-US" sz="4800" dirty="0" smtClean="0"/>
-              <a:t>Deploy in the field</a:t>
-            </a:r>
-            <a:endParaRPr lang="en-US" sz="4800" dirty="0"/>
-          </a:p>
-        </p:txBody>
-      </p:sp>
+      </p:pic>
     </p:spTree>
   </p:cSld>
   <p:clrMapOvr>
     <a:masterClrMapping/>
   </p:clrMapOvr>
+</p:sld>
+</file>
+
+<file path=ppt/slides/slide7.xml><?xml version="1.0" encoding="utf-8"?>
+<p:sld xmlns:a="http://schemas.openxmlformats.org/drawingml/2006/main" xmlns:r="http://schemas.openxmlformats.org/officeDocument/2006/relationships" xmlns:p="http://schemas.openxmlformats.org/presentationml/2006/main">
+  <p:cSld>
+    <p:spTree>
+      <p:nvGrpSpPr>
+        <p:cNvPr id="1" name=""/>
+        <p:cNvGrpSpPr/>
+        <p:nvPr/>
+      </p:nvGrpSpPr>
+      <p:grpSpPr>
+        <a:xfrm>
+          <a:off x="0" y="0"/>
+          <a:ext cx="0" cy="0"/>
+          <a:chOff x="0" y="0"/>
+          <a:chExt cx="0" cy="0"/>
+        </a:xfrm>
+      </p:grpSpPr>
+      <p:sp>
+        <p:nvSpPr>
+          <p:cNvPr id="2" name="Title 1"/>
+          <p:cNvSpPr>
+            <a:spLocks noGrp="1"/>
+          </p:cNvSpPr>
+          <p:nvPr>
+            <p:ph type="title"/>
+          </p:nvPr>
+        </p:nvSpPr>
+        <p:spPr/>
+        <p:txBody>
+          <a:bodyPr/>
+          <a:lstStyle/>
+          <a:p>
+            <a:r>
+              <a:rPr lang="en-US" dirty="0" smtClean="0"/>
+              <a:t>My </a:t>
+            </a:r>
+            <a:r>
+              <a:rPr lang="en-US" dirty="0" err="1" smtClean="0"/>
+              <a:t>Favourite</a:t>
+            </a:r>
+            <a:r>
+              <a:rPr lang="en-US" dirty="0" smtClean="0"/>
+              <a:t> Chunk of Code</a:t>
+            </a:r>
+            <a:endParaRPr lang="en-US" dirty="0"/>
+          </a:p>
+        </p:txBody>
+      </p:sp>
+      <p:pic>
+        <p:nvPicPr>
+          <p:cNvPr id="4" name="Content Placeholder 3" descr="fave_code.png"/>
+          <p:cNvPicPr>
+            <a:picLocks noGrp="1" noChangeAspect="1"/>
+          </p:cNvPicPr>
+          <p:nvPr>
+            <p:ph idx="1"/>
+          </p:nvPr>
+        </p:nvPicPr>
+        <p:blipFill>
+          <a:blip r:embed="rId2"/>
+          <a:stretch>
+            <a:fillRect/>
+          </a:stretch>
+        </p:blipFill>
+        <p:spPr>
+          <a:xfrm>
+            <a:off x="-1" y="1828800"/>
+            <a:ext cx="9144001" cy="3910520"/>
+          </a:xfrm>
+        </p:spPr>
+      </p:pic>
+    </p:spTree>
+  </p:cSld>
+  <p:clrMapOvr>
+    <a:masterClrMapping/>
+  </p:clrMapOvr>
+</p:sld>
+</file>
+
+<file path=ppt/slides/slide8.xml><?xml version="1.0" encoding="utf-8"?>
+<p:sld xmlns:a="http://schemas.openxmlformats.org/drawingml/2006/main" xmlns:r="http://schemas.openxmlformats.org/officeDocument/2006/relationships" xmlns:p="http://schemas.openxmlformats.org/presentationml/2006/main">
+  <p:cSld>
+    <p:spTree>
+      <p:nvGrpSpPr>
+        <p:cNvPr id="1" name=""/>
+        <p:cNvGrpSpPr/>
+        <p:nvPr/>
+      </p:nvGrpSpPr>
+      <p:grpSpPr>
+        <a:xfrm>
+          <a:off x="0" y="0"/>
+          <a:ext cx="0" cy="0"/>
+          <a:chOff x="0" y="0"/>
+          <a:chExt cx="0" cy="0"/>
+        </a:xfrm>
+      </p:grpSpPr>
+      <p:sp>
+        <p:nvSpPr>
+          <p:cNvPr id="2" name="Title 1"/>
+          <p:cNvSpPr>
+            <a:spLocks noGrp="1"/>
+          </p:cNvSpPr>
+          <p:nvPr>
+            <p:ph type="title"/>
+          </p:nvPr>
+        </p:nvSpPr>
+        <p:spPr/>
+        <p:txBody>
+          <a:bodyPr/>
+          <a:lstStyle/>
+          <a:p>
+            <a:r>
+              <a:rPr lang="en-US" dirty="0" smtClean="0"/>
+              <a:t>Training Without Plot</a:t>
+            </a:r>
+            <a:endParaRPr lang="en-US" dirty="0"/>
+          </a:p>
+        </p:txBody>
+      </p:sp>
+      <p:pic>
+        <p:nvPicPr>
+          <p:cNvPr id="6" name="Content Placeholder 5" descr="training-lean-cropped-best.png"/>
+          <p:cNvPicPr>
+            <a:picLocks noGrp="1" noChangeAspect="1"/>
+          </p:cNvPicPr>
+          <p:nvPr>
+            <p:ph idx="1"/>
+          </p:nvPr>
+        </p:nvPicPr>
+        <p:blipFill>
+          <a:blip r:embed="rId2"/>
+          <a:stretch>
+            <a:fillRect/>
+          </a:stretch>
+        </p:blipFill>
+        <p:spPr>
+          <a:xfrm>
+            <a:off x="0" y="1624545"/>
+            <a:ext cx="8991599" cy="5242489"/>
+          </a:xfrm>
+        </p:spPr>
+      </p:pic>
+    </p:spTree>
+  </p:cSld>
+  <p:clrMapOvr>
+    <a:masterClrMapping/>
+  </p:clrMapOvr>
+  <p:timing>
+    <p:tnLst>
+      <p:par>
+        <p:cTn id="1" dur="indefinite" restart="never" nodeType="tmRoot"/>
+      </p:par>
+    </p:tnLst>
+  </p:timing>
+</p:sld>
+</file>
+
+<file path=ppt/slides/slide9.xml><?xml version="1.0" encoding="utf-8"?>
+<p:sld xmlns:a="http://schemas.openxmlformats.org/drawingml/2006/main" xmlns:r="http://schemas.openxmlformats.org/officeDocument/2006/relationships" xmlns:p="http://schemas.openxmlformats.org/presentationml/2006/main">
+  <p:cSld>
+    <p:spTree>
+      <p:nvGrpSpPr>
+        <p:cNvPr id="1" name=""/>
+        <p:cNvGrpSpPr/>
+        <p:nvPr/>
+      </p:nvGrpSpPr>
+      <p:grpSpPr>
+        <a:xfrm>
+          <a:off x="0" y="0"/>
+          <a:ext cx="0" cy="0"/>
+          <a:chOff x="0" y="0"/>
+          <a:chExt cx="0" cy="0"/>
+        </a:xfrm>
+      </p:grpSpPr>
+      <p:sp>
+        <p:nvSpPr>
+          <p:cNvPr id="2" name="Title 1"/>
+          <p:cNvSpPr>
+            <a:spLocks noGrp="1"/>
+          </p:cNvSpPr>
+          <p:nvPr>
+            <p:ph type="title"/>
+          </p:nvPr>
+        </p:nvSpPr>
+        <p:spPr/>
+        <p:txBody>
+          <a:bodyPr/>
+          <a:lstStyle/>
+          <a:p>
+            <a:r>
+              <a:rPr lang="en-US" dirty="0" smtClean="0"/>
+              <a:t>Training With Plot</a:t>
+            </a:r>
+            <a:endParaRPr lang="en-US" dirty="0"/>
+          </a:p>
+        </p:txBody>
+      </p:sp>
+      <p:pic>
+        <p:nvPicPr>
+          <p:cNvPr id="6" name="Content Placeholder 5" descr="training-plot-cropped-best.png"/>
+          <p:cNvPicPr>
+            <a:picLocks noGrp="1" noChangeAspect="1"/>
+          </p:cNvPicPr>
+          <p:nvPr>
+            <p:ph idx="1"/>
+          </p:nvPr>
+        </p:nvPicPr>
+        <p:blipFill>
+          <a:blip r:embed="rId2"/>
+          <a:stretch>
+            <a:fillRect/>
+          </a:stretch>
+        </p:blipFill>
+        <p:spPr>
+          <a:xfrm>
+            <a:off x="533400" y="1213872"/>
+            <a:ext cx="7795757" cy="5644128"/>
+          </a:xfrm>
+        </p:spPr>
+      </p:pic>
+    </p:spTree>
+  </p:cSld>
+  <p:clrMapOvr>
+    <a:masterClrMapping/>
+  </p:clrMapOvr>
+  <p:transition spd="slow">
+    <p:dissolve/>
+  </p:transition>
   <p:timing>
     <p:tnLst>
       <p:par>
@@ -3575,16 +4386,54 @@
         <a:srgbClr val="694F07"/>
       </a:folHlink>
     </a:clrScheme>
-    <a:fontScheme name="Flow">
+    <a:fontScheme name="Origin">
       <a:majorFont>
-        <a:latin typeface="Calibri"/>
+        <a:latin typeface="Bookman Old Style"/>
         <a:ea typeface=""/>
         <a:cs typeface=""/>
+        <a:font script="Grek" typeface="Cambria"/>
+        <a:font script="Cyrl" typeface="Cambria"/>
+        <a:font script="Jpan" typeface="HG明朝E"/>
+        <a:font script="Hang" typeface="돋움"/>
+        <a:font script="Hans" typeface="宋体"/>
+        <a:font script="Hant" typeface="標楷體"/>
+        <a:font script="Arab" typeface="Times New Roman"/>
+        <a:font script="Hebr" typeface="Times New Roman"/>
+        <a:font script="Thai" typeface="Browallia New"/>
+        <a:font script="Ethi" typeface="Nyala"/>
+        <a:font script="Beng" typeface="Vrinda"/>
+        <a:font script="Gujr" typeface="Shruti"/>
+        <a:font script="Khmr" typeface="MoolBoran"/>
+        <a:font script="Knda" typeface="Tunga"/>
+        <a:font script="Guru" typeface="Raavi"/>
+        <a:font script="Cans" typeface="Euphemia"/>
+        <a:font script="Cher" typeface="Plantagenet Cherokee"/>
+        <a:font script="Yiii" typeface="Microsoft Yi Baiti"/>
+        <a:font script="Tibt" typeface="Microsoft Himalaya"/>
+        <a:font script="Thaa" typeface="MV Boli"/>
+        <a:font script="Deva" typeface="Mangal"/>
+        <a:font script="Telu" typeface="Gautami"/>
+        <a:font script="Taml" typeface="Latha"/>
+        <a:font script="Syrc" typeface="Estrangelo Edessa"/>
+        <a:font script="Orya" typeface="Kalinga"/>
+        <a:font script="Mlym" typeface="Kartika"/>
+        <a:font script="Laoo" typeface="DokChampa"/>
+        <a:font script="Sinh" typeface="Iskoola Pota"/>
+        <a:font script="Mong" typeface="Mongolian Baiti"/>
+        <a:font script="Viet" typeface="Times New Roman"/>
+        <a:font script="Uigh" typeface="Microsoft Uighur"/>
+      </a:majorFont>
+      <a:minorFont>
+        <a:latin typeface="Gill Sans MT"/>
+        <a:ea typeface=""/>
+        <a:cs typeface=""/>
+        <a:font script="Grek" typeface="Calibri"/>
+        <a:font script="Cyrl" typeface="Calibri"/>
         <a:font script="Jpan" typeface="ＭＳ Ｐゴシック"/>
-        <a:font script="Hang" typeface="HY중고딕"/>
-        <a:font script="Hans" typeface="隶书"/>
-        <a:font script="Hant" typeface="微軟正黑體"/>
-        <a:font script="Arab" typeface="Traditional Arabic"/>
+        <a:font script="Hang" typeface="맑은 고딕"/>
+        <a:font script="Hans" typeface="华文新魏"/>
+        <a:font script="Hant" typeface="新細明體"/>
+        <a:font script="Arab" typeface="Arial"/>
         <a:font script="Hebr" typeface="Arial"/>
         <a:font script="Thai" typeface="Cordia New"/>
         <a:font script="Ethi" typeface="Nyala"/>
@@ -3608,40 +4457,6 @@
         <a:font script="Sinh" typeface="Iskoola Pota"/>
         <a:font script="Mong" typeface="Mongolian Baiti"/>
         <a:font script="Viet" typeface="Arial"/>
-        <a:font script="Uigh" typeface="Microsoft Uighur"/>
-      </a:majorFont>
-      <a:minorFont>
-        <a:latin typeface="Constantia"/>
-        <a:ea typeface=""/>
-        <a:cs typeface=""/>
-        <a:font script="Jpan" typeface="HGP明朝E"/>
-        <a:font script="Hang" typeface="HY신명조"/>
-        <a:font script="Hans" typeface="宋体"/>
-        <a:font script="Hant" typeface="新細明體"/>
-        <a:font script="Arab" typeface="Majalla UI"/>
-        <a:font script="Hebr" typeface="David"/>
-        <a:font script="Thai" typeface="Browallia New"/>
-        <a:font script="Ethi" typeface="Nyala"/>
-        <a:font script="Beng" typeface="Vrinda"/>
-        <a:font script="Gujr" typeface="Shruti"/>
-        <a:font script="Khmr" typeface="MoolBoran"/>
-        <a:font script="Knda" typeface="Tunga"/>
-        <a:font script="Guru" typeface="Raavi"/>
-        <a:font script="Cans" typeface="Euphemia"/>
-        <a:font script="Cher" typeface="Plantagenet Cherokee"/>
-        <a:font script="Yiii" typeface="Microsoft Yi Baiti"/>
-        <a:font script="Tibt" typeface="Microsoft Himalaya"/>
-        <a:font script="Thaa" typeface="MV Boli"/>
-        <a:font script="Deva" typeface="Mangal"/>
-        <a:font script="Telu" typeface="Gautami"/>
-        <a:font script="Taml" typeface="Latha"/>
-        <a:font script="Syrc" typeface="Estrangelo Edessa"/>
-        <a:font script="Orya" typeface="Kalinga"/>
-        <a:font script="Mlym" typeface="Kartika"/>
-        <a:font script="Laoo" typeface="DokChampa"/>
-        <a:font script="Sinh" typeface="Iskoola Pota"/>
-        <a:font script="Mong" typeface="Mongolian Baiti"/>
-        <a:font script="Viet" typeface="Times New Roman"/>
         <a:font script="Uigh" typeface="Microsoft Uighur"/>
       </a:minorFont>
     </a:fontScheme>

--- a/training_birdsong_classifiers.pptx
+++ b/training_birdsong_classifiers.pptx
@@ -11,14 +11,18 @@
     <p:sldId id="269" r:id="rId5"/>
     <p:sldId id="263" r:id="rId6"/>
     <p:sldId id="270" r:id="rId7"/>
-    <p:sldId id="257" r:id="rId8"/>
-    <p:sldId id="258" r:id="rId9"/>
-    <p:sldId id="259" r:id="rId10"/>
-    <p:sldId id="265" r:id="rId11"/>
-    <p:sldId id="266" r:id="rId12"/>
-    <p:sldId id="267" r:id="rId13"/>
-    <p:sldId id="268" r:id="rId14"/>
-    <p:sldId id="260" r:id="rId15"/>
+    <p:sldId id="273" r:id="rId8"/>
+    <p:sldId id="272" r:id="rId9"/>
+    <p:sldId id="257" r:id="rId10"/>
+    <p:sldId id="258" r:id="rId11"/>
+    <p:sldId id="259" r:id="rId12"/>
+    <p:sldId id="265" r:id="rId13"/>
+    <p:sldId id="266" r:id="rId14"/>
+    <p:sldId id="267" r:id="rId15"/>
+    <p:sldId id="274" r:id="rId16"/>
+    <p:sldId id="268" r:id="rId17"/>
+    <p:sldId id="260" r:id="rId18"/>
+    <p:sldId id="271" r:id="rId19"/>
   </p:sldIdLst>
   <p:sldSz cx="9144000" cy="6858000" type="screen4x3"/>
   <p:notesSz cx="6858000" cy="9144000"/>
@@ -3151,14 +3155,12 @@
         </p:nvSpPr>
         <p:spPr/>
         <p:txBody>
-          <a:bodyPr>
-            <a:normAutofit fontScale="90000"/>
-          </a:bodyPr>
+          <a:bodyPr/>
           <a:lstStyle/>
           <a:p>
             <a:r>
               <a:rPr lang="en-US" dirty="0" smtClean="0"/>
-              <a:t>Empathizing with ML Models on Raw Signal Data</a:t>
+              <a:t>Training Without Plot</a:t>
             </a:r>
             <a:endParaRPr lang="en-US" dirty="0"/>
           </a:p>
@@ -3166,7 +3168,7 @@
       </p:sp>
       <p:pic>
         <p:nvPicPr>
-          <p:cNvPr id="6" name="Content Placeholder 5" descr="my-model-me-2.jpg"/>
+          <p:cNvPr id="6" name="Content Placeholder 5" descr="training-lean-cropped-best.png"/>
           <p:cNvPicPr>
             <a:picLocks noGrp="1" noChangeAspect="1"/>
           </p:cNvPicPr>
@@ -3175,15 +3177,15 @@
           </p:nvPr>
         </p:nvPicPr>
         <p:blipFill>
-          <a:blip r:embed="rId2" cstate="print"/>
+          <a:blip r:embed="rId2"/>
           <a:stretch>
             <a:fillRect/>
           </a:stretch>
         </p:blipFill>
         <p:spPr>
           <a:xfrm>
-            <a:off x="152400" y="1828800"/>
-            <a:ext cx="8827521" cy="4753280"/>
+            <a:off x="0" y="1624545"/>
+            <a:ext cx="8991599" cy="5242489"/>
           </a:xfrm>
         </p:spPr>
       </p:pic>
@@ -3192,6 +3194,13 @@
   <p:clrMapOvr>
     <a:masterClrMapping/>
   </p:clrMapOvr>
+  <p:timing>
+    <p:tnLst>
+      <p:par>
+        <p:cTn id="1" dur="indefinite" restart="never" nodeType="tmRoot"/>
+      </p:par>
+    </p:tnLst>
+  </p:timing>
 </p:sld>
 </file>
 
@@ -3229,79 +3238,50 @@
           <a:p>
             <a:r>
               <a:rPr lang="en-US" dirty="0" smtClean="0"/>
-              <a:t>Scaling Up</a:t>
+              <a:t>Training With Plot</a:t>
             </a:r>
             <a:endParaRPr lang="en-US" dirty="0"/>
           </a:p>
         </p:txBody>
       </p:sp>
-      <p:sp>
-        <p:nvSpPr>
-          <p:cNvPr id="3" name="Content Placeholder 2"/>
-          <p:cNvSpPr>
-            <a:spLocks noGrp="1"/>
-          </p:cNvSpPr>
+      <p:pic>
+        <p:nvPicPr>
+          <p:cNvPr id="6" name="Content Placeholder 5" descr="training-plot-cropped-best.png"/>
+          <p:cNvPicPr>
+            <a:picLocks noGrp="1" noChangeAspect="1"/>
+          </p:cNvPicPr>
           <p:nvPr>
             <p:ph idx="1"/>
           </p:nvPr>
-        </p:nvSpPr>
-        <p:spPr/>
-        <p:txBody>
-          <a:bodyPr/>
-          <a:lstStyle/>
-          <a:p>
-            <a:r>
-              <a:rPr lang="en-US" dirty="0" smtClean="0"/>
-              <a:t>Use all the species in the dataset</a:t>
-            </a:r>
-          </a:p>
-          <a:p>
-            <a:r>
-              <a:rPr lang="en-US" dirty="0" smtClean="0"/>
-              <a:t>Increase size of model’s input layer</a:t>
-            </a:r>
-          </a:p>
-          <a:p>
-            <a:r>
-              <a:rPr lang="en-US" dirty="0" smtClean="0"/>
-              <a:t>More samples from sliding windows</a:t>
-            </a:r>
-          </a:p>
-          <a:p>
-            <a:r>
-              <a:rPr lang="en-US" dirty="0" smtClean="0"/>
-              <a:t>More steps per Epoch</a:t>
-            </a:r>
-          </a:p>
-          <a:p>
-            <a:r>
-              <a:rPr lang="en-US" dirty="0" smtClean="0"/>
-              <a:t>More Epochs</a:t>
-            </a:r>
-          </a:p>
-          <a:p>
-            <a:pPr>
-              <a:buNone/>
-            </a:pPr>
-            <a:r>
-              <a:rPr lang="en-US" sz="4800" dirty="0" smtClean="0"/>
-              <a:t>Immediate Result:</a:t>
-            </a:r>
-          </a:p>
-          <a:p>
-            <a:r>
-              <a:rPr lang="en-US" dirty="0" smtClean="0"/>
-              <a:t>Overtraining</a:t>
-            </a:r>
-            <a:endParaRPr lang="en-US" dirty="0"/>
-          </a:p>
-        </p:txBody>
-      </p:sp>
+        </p:nvPicPr>
+        <p:blipFill>
+          <a:blip r:embed="rId2"/>
+          <a:stretch>
+            <a:fillRect/>
+          </a:stretch>
+        </p:blipFill>
+        <p:spPr>
+          <a:xfrm>
+            <a:off x="533400" y="1213872"/>
+            <a:ext cx="7795757" cy="5644128"/>
+          </a:xfrm>
+        </p:spPr>
+      </p:pic>
     </p:spTree>
   </p:cSld>
   <p:clrMapOvr>
     <a:masterClrMapping/>
   </p:clrMapOvr>
+  <p:transition spd="slow">
+    <p:dissolve/>
+  </p:transition>
+  <p:timing>
+    <p:tnLst>
+      <p:par>
+        <p:cTn id="1" dur="indefinite" restart="never" nodeType="tmRoot"/>
+      </p:par>
+    </p:tnLst>
+  </p:timing>
 </p:sld>
 </file>
 
@@ -3334,74 +3314,42 @@
         </p:nvSpPr>
         <p:spPr/>
         <p:txBody>
-          <a:bodyPr/>
+          <a:bodyPr>
+            <a:normAutofit fontScale="90000"/>
+          </a:bodyPr>
           <a:lstStyle/>
           <a:p>
             <a:r>
               <a:rPr lang="en-US" dirty="0" smtClean="0"/>
-              <a:t>Reducing Overtraining</a:t>
+              <a:t>Empathizing with ML Models on Raw Signal Data</a:t>
             </a:r>
             <a:endParaRPr lang="en-US" dirty="0"/>
           </a:p>
         </p:txBody>
       </p:sp>
-      <p:sp>
-        <p:nvSpPr>
-          <p:cNvPr id="3" name="Content Placeholder 2"/>
-          <p:cNvSpPr>
-            <a:spLocks noGrp="1"/>
-          </p:cNvSpPr>
+      <p:pic>
+        <p:nvPicPr>
+          <p:cNvPr id="6" name="Content Placeholder 5" descr="my-model-me-2.jpg"/>
+          <p:cNvPicPr>
+            <a:picLocks noGrp="1" noChangeAspect="1"/>
+          </p:cNvPicPr>
           <p:nvPr>
             <p:ph idx="1"/>
           </p:nvPr>
-        </p:nvSpPr>
-        <p:spPr/>
-        <p:txBody>
-          <a:bodyPr/>
-          <a:lstStyle/>
-          <a:p>
-            <a:r>
-              <a:rPr lang="en-US" dirty="0" smtClean="0"/>
-              <a:t>Decrease learning rate</a:t>
-            </a:r>
-          </a:p>
-          <a:p>
-            <a:r>
-              <a:rPr lang="en-US" dirty="0" smtClean="0"/>
-              <a:t>Adjust learning rate decay</a:t>
-            </a:r>
-          </a:p>
-          <a:p>
-            <a:r>
-              <a:rPr lang="en-US" dirty="0" smtClean="0"/>
-              <a:t>Adam, </a:t>
-            </a:r>
-            <a:r>
-              <a:rPr lang="en-US" dirty="0" err="1" smtClean="0"/>
-              <a:t>RMSProp</a:t>
-            </a:r>
-            <a:r>
-              <a:rPr lang="en-US" dirty="0" smtClean="0"/>
-              <a:t> optimizers</a:t>
-            </a:r>
-          </a:p>
-          <a:p>
-            <a:r>
-              <a:rPr lang="en-US" dirty="0" smtClean="0"/>
-              <a:t>Momentum</a:t>
-            </a:r>
-          </a:p>
-          <a:p>
-            <a:r>
-              <a:rPr lang="en-US" dirty="0" smtClean="0"/>
-              <a:t>More slices!</a:t>
-            </a:r>
-          </a:p>
-          <a:p>
-            <a:endParaRPr lang="en-US" dirty="0" smtClean="0"/>
-          </a:p>
-        </p:txBody>
-      </p:sp>
+        </p:nvPicPr>
+        <p:blipFill>
+          <a:blip r:embed="rId2" cstate="print"/>
+          <a:stretch>
+            <a:fillRect/>
+          </a:stretch>
+        </p:blipFill>
+        <p:spPr>
+          <a:xfrm>
+            <a:off x="152400" y="1828800"/>
+            <a:ext cx="8827521" cy="4753280"/>
+          </a:xfrm>
+        </p:spPr>
+      </p:pic>
     </p:spTree>
   </p:cSld>
   <p:clrMapOvr>
@@ -3444,7 +3392,7 @@
           <a:p>
             <a:r>
               <a:rPr lang="en-US" dirty="0" smtClean="0"/>
-              <a:t>Conclusions</a:t>
+              <a:t>Scaling Up</a:t>
             </a:r>
             <a:endParaRPr lang="en-US" dirty="0"/>
           </a:p>
@@ -3465,33 +3413,34 @@
           <a:bodyPr/>
           <a:lstStyle/>
           <a:p>
-            <a:r>
-              <a:rPr lang="en-US" dirty="0" smtClean="0"/>
-              <a:t>Spectrograms with a </a:t>
-            </a:r>
-            <a:r>
-              <a:rPr lang="en-US" dirty="0" err="1" smtClean="0"/>
-              <a:t>ConvNet</a:t>
-            </a:r>
-            <a:r>
-              <a:rPr lang="en-US" dirty="0" smtClean="0"/>
-              <a:t> are the simplest most common approach</a:t>
-            </a:r>
-          </a:p>
-          <a:p>
-            <a:r>
-              <a:rPr lang="en-US" dirty="0" smtClean="0"/>
-              <a:t>Using a flattened VGG-19 to extract audio features is powerful, but mysterious</a:t>
-            </a:r>
-          </a:p>
-          <a:p>
-            <a:r>
-              <a:rPr lang="en-US" dirty="0" smtClean="0"/>
-              <a:t>LSTMs are a mighty sophisticated tool to use for identifying bird species</a:t>
-            </a:r>
-          </a:p>
-          <a:p>
-            <a:endParaRPr lang="en-US" dirty="0"/>
+            <a:endParaRPr lang="en-US" sz="4000" dirty="0" smtClean="0"/>
+          </a:p>
+          <a:p>
+            <a:r>
+              <a:rPr lang="en-US" sz="4000" dirty="0" smtClean="0"/>
+              <a:t>Use all the species in the dataset</a:t>
+            </a:r>
+          </a:p>
+          <a:p>
+            <a:r>
+              <a:rPr lang="en-US" sz="4000" dirty="0" smtClean="0"/>
+              <a:t>More samples from sliding windows</a:t>
+            </a:r>
+          </a:p>
+          <a:p>
+            <a:r>
+              <a:rPr lang="en-US" sz="4000" dirty="0" smtClean="0"/>
+              <a:t>More steps per Epoch</a:t>
+            </a:r>
+          </a:p>
+          <a:p>
+            <a:r>
+              <a:rPr lang="en-US" sz="4000" dirty="0" smtClean="0"/>
+              <a:t>More Epochs</a:t>
+            </a:r>
+          </a:p>
+          <a:p>
+            <a:endParaRPr lang="en-US" dirty="0" smtClean="0"/>
           </a:p>
         </p:txBody>
       </p:sp>
@@ -3537,6 +3486,292 @@
           <a:p>
             <a:r>
               <a:rPr lang="en-US" dirty="0" smtClean="0"/>
+              <a:t>Tuning the model</a:t>
+            </a:r>
+            <a:endParaRPr lang="en-US" dirty="0"/>
+          </a:p>
+        </p:txBody>
+      </p:sp>
+      <p:sp>
+        <p:nvSpPr>
+          <p:cNvPr id="3" name="Content Placeholder 2"/>
+          <p:cNvSpPr>
+            <a:spLocks noGrp="1"/>
+          </p:cNvSpPr>
+          <p:nvPr>
+            <p:ph idx="1"/>
+          </p:nvPr>
+        </p:nvSpPr>
+        <p:spPr/>
+        <p:txBody>
+          <a:bodyPr/>
+          <a:lstStyle/>
+          <a:p>
+            <a:r>
+              <a:rPr lang="en-US" sz="4000" dirty="0" smtClean="0"/>
+              <a:t>Decrease learning rate</a:t>
+            </a:r>
+          </a:p>
+          <a:p>
+            <a:r>
+              <a:rPr lang="en-US" sz="4000" dirty="0" smtClean="0"/>
+              <a:t>Adjust learning rate decay</a:t>
+            </a:r>
+          </a:p>
+          <a:p>
+            <a:r>
+              <a:rPr lang="en-US" sz="4000" dirty="0" smtClean="0"/>
+              <a:t>Adam, </a:t>
+            </a:r>
+            <a:r>
+              <a:rPr lang="en-US" sz="4000" dirty="0" err="1" smtClean="0"/>
+              <a:t>RMSProp</a:t>
+            </a:r>
+            <a:r>
+              <a:rPr lang="en-US" sz="4000" dirty="0" smtClean="0"/>
+              <a:t> optimizers</a:t>
+            </a:r>
+          </a:p>
+          <a:p>
+            <a:r>
+              <a:rPr lang="en-US" sz="4000" dirty="0" smtClean="0"/>
+              <a:t>Momentum</a:t>
+            </a:r>
+          </a:p>
+          <a:p>
+            <a:r>
+              <a:rPr lang="en-US" sz="4000" dirty="0" smtClean="0"/>
+              <a:t>Add and remove layers</a:t>
+            </a:r>
+          </a:p>
+          <a:p>
+            <a:r>
+              <a:rPr lang="en-US" sz="4000" dirty="0" smtClean="0"/>
+              <a:t>Increase size of model’s input layer</a:t>
+            </a:r>
+          </a:p>
+          <a:p>
+            <a:endParaRPr lang="en-US" dirty="0" smtClean="0"/>
+          </a:p>
+          <a:p>
+            <a:endParaRPr lang="en-US" dirty="0" smtClean="0"/>
+          </a:p>
+        </p:txBody>
+      </p:sp>
+    </p:spTree>
+  </p:cSld>
+  <p:clrMapOvr>
+    <a:masterClrMapping/>
+  </p:clrMapOvr>
+</p:sld>
+</file>
+
+<file path=ppt/slides/slide15.xml><?xml version="1.0" encoding="utf-8"?>
+<p:sld xmlns:a="http://schemas.openxmlformats.org/drawingml/2006/main" xmlns:r="http://schemas.openxmlformats.org/officeDocument/2006/relationships" xmlns:p="http://schemas.openxmlformats.org/presentationml/2006/main">
+  <p:cSld>
+    <p:spTree>
+      <p:nvGrpSpPr>
+        <p:cNvPr id="1" name=""/>
+        <p:cNvGrpSpPr/>
+        <p:nvPr/>
+      </p:nvGrpSpPr>
+      <p:grpSpPr>
+        <a:xfrm>
+          <a:off x="0" y="0"/>
+          <a:ext cx="0" cy="0"/>
+          <a:chOff x="0" y="0"/>
+          <a:chExt cx="0" cy="0"/>
+        </a:xfrm>
+      </p:grpSpPr>
+      <p:sp>
+        <p:nvSpPr>
+          <p:cNvPr id="2" name="Title 1"/>
+          <p:cNvSpPr>
+            <a:spLocks noGrp="1"/>
+          </p:cNvSpPr>
+          <p:nvPr>
+            <p:ph type="title"/>
+          </p:nvPr>
+        </p:nvSpPr>
+        <p:spPr/>
+        <p:txBody>
+          <a:bodyPr/>
+          <a:lstStyle/>
+          <a:p>
+            <a:r>
+              <a:rPr lang="en-US" dirty="0" smtClean="0"/>
+              <a:t>Laptop </a:t>
+            </a:r>
+            <a:r>
+              <a:rPr lang="en-US" dirty="0" err="1" smtClean="0"/>
+              <a:t>vs</a:t>
+            </a:r>
+            <a:r>
+              <a:rPr lang="en-US" dirty="0" smtClean="0"/>
+              <a:t> Cloud GPUs</a:t>
+            </a:r>
+            <a:endParaRPr lang="en-US" dirty="0"/>
+          </a:p>
+        </p:txBody>
+      </p:sp>
+      <p:pic>
+        <p:nvPicPr>
+          <p:cNvPr id="4" name="Content Placeholder 3" descr="best-slide-ever.png"/>
+          <p:cNvPicPr>
+            <a:picLocks noGrp="1" noChangeAspect="1"/>
+          </p:cNvPicPr>
+          <p:nvPr>
+            <p:ph idx="1"/>
+          </p:nvPr>
+        </p:nvPicPr>
+        <p:blipFill>
+          <a:blip r:embed="rId2"/>
+          <a:stretch>
+            <a:fillRect/>
+          </a:stretch>
+        </p:blipFill>
+        <p:spPr>
+          <a:xfrm>
+            <a:off x="-26982" y="1341792"/>
+            <a:ext cx="9170981" cy="5516208"/>
+          </a:xfrm>
+        </p:spPr>
+      </p:pic>
+    </p:spTree>
+  </p:cSld>
+  <p:clrMapOvr>
+    <a:masterClrMapping/>
+  </p:clrMapOvr>
+</p:sld>
+</file>
+
+<file path=ppt/slides/slide16.xml><?xml version="1.0" encoding="utf-8"?>
+<p:sld xmlns:a="http://schemas.openxmlformats.org/drawingml/2006/main" xmlns:r="http://schemas.openxmlformats.org/officeDocument/2006/relationships" xmlns:p="http://schemas.openxmlformats.org/presentationml/2006/main">
+  <p:cSld>
+    <p:spTree>
+      <p:nvGrpSpPr>
+        <p:cNvPr id="1" name=""/>
+        <p:cNvGrpSpPr/>
+        <p:nvPr/>
+      </p:nvGrpSpPr>
+      <p:grpSpPr>
+        <a:xfrm>
+          <a:off x="0" y="0"/>
+          <a:ext cx="0" cy="0"/>
+          <a:chOff x="0" y="0"/>
+          <a:chExt cx="0" cy="0"/>
+        </a:xfrm>
+      </p:grpSpPr>
+      <p:sp>
+        <p:nvSpPr>
+          <p:cNvPr id="2" name="Title 1"/>
+          <p:cNvSpPr>
+            <a:spLocks noGrp="1"/>
+          </p:cNvSpPr>
+          <p:nvPr>
+            <p:ph type="title"/>
+          </p:nvPr>
+        </p:nvSpPr>
+        <p:spPr/>
+        <p:txBody>
+          <a:bodyPr/>
+          <a:lstStyle/>
+          <a:p>
+            <a:r>
+              <a:rPr lang="en-US" dirty="0" smtClean="0"/>
+              <a:t>Conclusions</a:t>
+            </a:r>
+            <a:endParaRPr lang="en-US" dirty="0"/>
+          </a:p>
+        </p:txBody>
+      </p:sp>
+      <p:sp>
+        <p:nvSpPr>
+          <p:cNvPr id="3" name="Content Placeholder 2"/>
+          <p:cNvSpPr>
+            <a:spLocks noGrp="1"/>
+          </p:cNvSpPr>
+          <p:nvPr>
+            <p:ph idx="1"/>
+          </p:nvPr>
+        </p:nvSpPr>
+        <p:spPr/>
+        <p:txBody>
+          <a:bodyPr/>
+          <a:lstStyle/>
+          <a:p>
+            <a:r>
+              <a:rPr lang="en-US" sz="3600" dirty="0" smtClean="0"/>
+              <a:t>Spectrograms with a </a:t>
+            </a:r>
+            <a:r>
+              <a:rPr lang="en-US" sz="3600" dirty="0" err="1" smtClean="0"/>
+              <a:t>ConvNet</a:t>
+            </a:r>
+            <a:r>
+              <a:rPr lang="en-US" sz="3600" dirty="0" smtClean="0"/>
+              <a:t> are the simplest most common approach</a:t>
+            </a:r>
+          </a:p>
+          <a:p>
+            <a:r>
+              <a:rPr lang="en-US" sz="3600" dirty="0" smtClean="0"/>
+              <a:t>Using a flattened VGG-19 to extract audio features is powerful but mysterious</a:t>
+            </a:r>
+          </a:p>
+          <a:p>
+            <a:r>
+              <a:rPr lang="en-US" sz="3600" dirty="0" smtClean="0"/>
+              <a:t>A simple cloud environment can run 10 times as fast using 10 times as much data</a:t>
+            </a:r>
+          </a:p>
+          <a:p>
+            <a:endParaRPr lang="en-US" dirty="0"/>
+          </a:p>
+        </p:txBody>
+      </p:sp>
+    </p:spTree>
+  </p:cSld>
+  <p:clrMapOvr>
+    <a:masterClrMapping/>
+  </p:clrMapOvr>
+</p:sld>
+</file>
+
+<file path=ppt/slides/slide17.xml><?xml version="1.0" encoding="utf-8"?>
+<p:sld xmlns:a="http://schemas.openxmlformats.org/drawingml/2006/main" xmlns:r="http://schemas.openxmlformats.org/officeDocument/2006/relationships" xmlns:p="http://schemas.openxmlformats.org/presentationml/2006/main">
+  <p:cSld>
+    <p:spTree>
+      <p:nvGrpSpPr>
+        <p:cNvPr id="1" name=""/>
+        <p:cNvGrpSpPr/>
+        <p:nvPr/>
+      </p:nvGrpSpPr>
+      <p:grpSpPr>
+        <a:xfrm>
+          <a:off x="0" y="0"/>
+          <a:ext cx="0" cy="0"/>
+          <a:chOff x="0" y="0"/>
+          <a:chExt cx="0" cy="0"/>
+        </a:xfrm>
+      </p:grpSpPr>
+      <p:sp>
+        <p:nvSpPr>
+          <p:cNvPr id="2" name="Title 1"/>
+          <p:cNvSpPr>
+            <a:spLocks noGrp="1"/>
+          </p:cNvSpPr>
+          <p:nvPr>
+            <p:ph type="title"/>
+          </p:nvPr>
+        </p:nvSpPr>
+        <p:spPr/>
+        <p:txBody>
+          <a:bodyPr/>
+          <a:lstStyle/>
+          <a:p>
+            <a:r>
+              <a:rPr lang="en-US" dirty="0" smtClean="0"/>
               <a:t>Future Work</a:t>
             </a:r>
             <a:endParaRPr lang="en-US" dirty="0"/>
@@ -3601,6 +3836,227 @@
       </p:par>
     </p:tnLst>
   </p:timing>
+</p:sld>
+</file>
+
+<file path=ppt/slides/slide18.xml><?xml version="1.0" encoding="utf-8"?>
+<p:sld xmlns:a="http://schemas.openxmlformats.org/drawingml/2006/main" xmlns:r="http://schemas.openxmlformats.org/officeDocument/2006/relationships" xmlns:p="http://schemas.openxmlformats.org/presentationml/2006/main">
+  <p:cSld>
+    <p:spTree>
+      <p:nvGrpSpPr>
+        <p:cNvPr id="1" name=""/>
+        <p:cNvGrpSpPr/>
+        <p:nvPr/>
+      </p:nvGrpSpPr>
+      <p:grpSpPr>
+        <a:xfrm>
+          <a:off x="0" y="0"/>
+          <a:ext cx="0" cy="0"/>
+          <a:chOff x="0" y="0"/>
+          <a:chExt cx="0" cy="0"/>
+        </a:xfrm>
+      </p:grpSpPr>
+      <p:sp>
+        <p:nvSpPr>
+          <p:cNvPr id="2" name="Title 1"/>
+          <p:cNvSpPr>
+            <a:spLocks noGrp="1"/>
+          </p:cNvSpPr>
+          <p:nvPr>
+            <p:ph type="title"/>
+          </p:nvPr>
+        </p:nvSpPr>
+        <p:spPr/>
+        <p:txBody>
+          <a:bodyPr/>
+          <a:lstStyle/>
+          <a:p>
+            <a:r>
+              <a:rPr lang="en-US" dirty="0" smtClean="0"/>
+              <a:t>Bibliography</a:t>
+            </a:r>
+            <a:endParaRPr lang="en-US" dirty="0"/>
+          </a:p>
+        </p:txBody>
+      </p:sp>
+      <p:sp>
+        <p:nvSpPr>
+          <p:cNvPr id="3" name="Content Placeholder 2"/>
+          <p:cNvSpPr>
+            <a:spLocks noGrp="1"/>
+          </p:cNvSpPr>
+          <p:nvPr>
+            <p:ph idx="1"/>
+          </p:nvPr>
+        </p:nvSpPr>
+        <p:spPr>
+          <a:xfrm>
+            <a:off x="457200" y="1600200"/>
+            <a:ext cx="8229600" cy="5105400"/>
+          </a:xfrm>
+        </p:spPr>
+        <p:txBody>
+          <a:bodyPr>
+            <a:normAutofit fontScale="40000" lnSpcReduction="20000"/>
+          </a:bodyPr>
+          <a:lstStyle/>
+          <a:p>
+            <a:r>
+              <a:rPr lang="en-US" sz="6000" dirty="0" smtClean="0"/>
+              <a:t>Beginner's Guide to Audio Data</a:t>
+            </a:r>
+          </a:p>
+          <a:p>
+            <a:pPr>
+              <a:buNone/>
+            </a:pPr>
+            <a:r>
+              <a:rPr lang="en-US" sz="4500" dirty="0" smtClean="0">
+                <a:hlinkClick r:id="rId2"/>
+              </a:rPr>
+              <a:t>https://www.kaggle.com/fizzbuzz/beginner-s-guide-to-audio-data</a:t>
+            </a:r>
+            <a:endParaRPr lang="en-US" sz="4500" dirty="0" smtClean="0"/>
+          </a:p>
+          <a:p>
+            <a:pPr>
+              <a:buNone/>
+            </a:pPr>
+            <a:endParaRPr lang="en-US" sz="4000" dirty="0" smtClean="0"/>
+          </a:p>
+          <a:p>
+            <a:r>
+              <a:rPr lang="en-US" sz="6000" dirty="0" smtClean="0"/>
+              <a:t>How to apply machine learning and deep learning methods to audio analysis</a:t>
+            </a:r>
+          </a:p>
+          <a:p>
+            <a:pPr>
+              <a:buNone/>
+            </a:pPr>
+            <a:r>
+              <a:rPr lang="en-US" sz="4000" dirty="0" smtClean="0">
+                <a:hlinkClick r:id="rId3"/>
+              </a:rPr>
+              <a:t>https://towardsdatascience.com/how-to-apply-machine-learning-and-deep-learning-methods-to-audio-analysis-615e286fcbbc</a:t>
+            </a:r>
+            <a:r>
+              <a:rPr lang="en-US" sz="4000" dirty="0" smtClean="0"/>
+              <a:t/>
+            </a:r>
+            <a:br>
+              <a:rPr lang="en-US" sz="4000" dirty="0" smtClean="0"/>
+            </a:br>
+            <a:endParaRPr lang="en-US" sz="4000" dirty="0" smtClean="0"/>
+          </a:p>
+          <a:p>
+            <a:r>
+              <a:rPr lang="en-US" sz="6000" dirty="0" smtClean="0"/>
+              <a:t>Urban Sound Classification using </a:t>
+            </a:r>
+            <a:r>
+              <a:rPr lang="en-US" sz="6000" dirty="0" err="1" smtClean="0"/>
+              <a:t>Convolutional</a:t>
+            </a:r>
+            <a:r>
+              <a:rPr lang="en-US" sz="6000" dirty="0" smtClean="0"/>
+              <a:t> Neural Networks with </a:t>
+            </a:r>
+            <a:r>
+              <a:rPr lang="en-US" sz="6000" dirty="0" err="1" smtClean="0"/>
+              <a:t>Keras</a:t>
+            </a:r>
+            <a:r>
+              <a:rPr lang="en-US" sz="6000" dirty="0" smtClean="0"/>
+              <a:t>: Theory and Implementation</a:t>
+            </a:r>
+          </a:p>
+          <a:p>
+            <a:pPr>
+              <a:buNone/>
+            </a:pPr>
+            <a:r>
+              <a:rPr lang="en-US" sz="4000" dirty="0" smtClean="0">
+                <a:hlinkClick r:id="rId4"/>
+              </a:rPr>
+              <a:t>https://medium.com/gradientcrescent/urban-sound-classification-using-convolutional-neural-networks-with-keras-theory-and-486e92785df4</a:t>
+            </a:r>
+            <a:r>
+              <a:rPr lang="en-US" sz="4000" dirty="0" smtClean="0"/>
+              <a:t> </a:t>
+            </a:r>
+            <a:br>
+              <a:rPr lang="en-US" sz="4000" dirty="0" smtClean="0"/>
+            </a:br>
+            <a:endParaRPr lang="en-US" sz="4000" dirty="0" smtClean="0"/>
+          </a:p>
+          <a:p>
+            <a:r>
+              <a:rPr lang="en-US" sz="6000" dirty="0" smtClean="0"/>
+              <a:t>Audio Classification with Pre-trained VGG-19 (</a:t>
+            </a:r>
+            <a:r>
+              <a:rPr lang="en-US" sz="6000" dirty="0" err="1" smtClean="0"/>
+              <a:t>Keras</a:t>
+            </a:r>
+            <a:r>
+              <a:rPr lang="en-US" sz="6000" dirty="0" smtClean="0"/>
+              <a:t>)</a:t>
+            </a:r>
+          </a:p>
+          <a:p>
+            <a:pPr>
+              <a:buNone/>
+            </a:pPr>
+            <a:r>
+              <a:rPr lang="en-US" sz="4000" dirty="0" smtClean="0">
+                <a:hlinkClick r:id="rId5"/>
+              </a:rPr>
+              <a:t>https://towardsdatascience.com/audio-classification-with-pre-trained-vgg-19-keras-bca55c2a0efe</a:t>
+            </a:r>
+            <a:r>
+              <a:rPr lang="en-US" sz="4000" dirty="0" smtClean="0"/>
+              <a:t>  </a:t>
+            </a:r>
+            <a:br>
+              <a:rPr lang="en-US" sz="4000" dirty="0" smtClean="0"/>
+            </a:br>
+            <a:endParaRPr lang="en-US" sz="4000" dirty="0" smtClean="0"/>
+          </a:p>
+          <a:p>
+            <a:r>
+              <a:rPr lang="en-US" sz="6000" dirty="0" smtClean="0"/>
+              <a:t>Sound Event Classification: A to Z</a:t>
+            </a:r>
+          </a:p>
+          <a:p>
+            <a:pPr>
+              <a:buNone/>
+            </a:pPr>
+            <a:r>
+              <a:rPr lang="en-US" sz="4000" dirty="0" smtClean="0">
+                <a:hlinkClick r:id="rId6"/>
+              </a:rPr>
+              <a:t>https://towardsdatascience.com/sound-event-classification-using-machine-learning-8768092beafc</a:t>
+            </a:r>
+            <a:r>
+              <a:rPr lang="en-US" sz="4000" dirty="0" smtClean="0"/>
+              <a:t>  </a:t>
+            </a:r>
+          </a:p>
+          <a:p>
+            <a:pPr>
+              <a:buNone/>
+            </a:pPr>
+            <a:endParaRPr lang="en-US" dirty="0"/>
+          </a:p>
+        </p:txBody>
+      </p:sp>
+    </p:spTree>
+  </p:cSld>
+  <p:clrMapOvr>
+    <a:masterClrMapping/>
+  </p:clrMapOvr>
 </p:sld>
 </file>
 
@@ -4141,29 +4597,60 @@
           <a:p>
             <a:r>
               <a:rPr lang="en-US" dirty="0" smtClean="0"/>
-              <a:t>My </a:t>
+              <a:t>A </a:t>
             </a:r>
             <a:r>
               <a:rPr lang="en-US" dirty="0" err="1" smtClean="0"/>
-              <a:t>Favourite</a:t>
+              <a:t>Convolutional</a:t>
             </a:r>
             <a:r>
               <a:rPr lang="en-US" dirty="0" smtClean="0"/>
-              <a:t> Chunk of Code</a:t>
-            </a:r>
+              <a:t> Network</a:t>
+            </a:r>
+            <a:endParaRPr lang="en-US" dirty="0"/>
+          </a:p>
+        </p:txBody>
+      </p:sp>
+      <p:sp>
+        <p:nvSpPr>
+          <p:cNvPr id="5" name="Content Placeholder 4"/>
+          <p:cNvSpPr>
+            <a:spLocks noGrp="1"/>
+          </p:cNvSpPr>
+          <p:nvPr>
+            <p:ph idx="1"/>
+          </p:nvPr>
+        </p:nvSpPr>
+        <p:spPr>
+          <a:xfrm>
+            <a:off x="457200" y="1600201"/>
+            <a:ext cx="8229600" cy="609599"/>
+          </a:xfrm>
+        </p:spPr>
+        <p:txBody>
+          <a:bodyPr/>
+          <a:lstStyle/>
+          <a:p>
+            <a:pPr>
+              <a:buNone/>
+            </a:pPr>
+            <a:r>
+              <a:rPr lang="en-US" sz="2400" dirty="0" smtClean="0"/>
+              <a:t>Conv2d, activation, pooling, dropout, and dense layers!</a:t>
+            </a:r>
+          </a:p>
+          <a:p>
             <a:endParaRPr lang="en-US" dirty="0"/>
           </a:p>
         </p:txBody>
       </p:sp>
       <p:pic>
         <p:nvPicPr>
-          <p:cNvPr id="4" name="Content Placeholder 3" descr="fave_code.png"/>
+          <p:cNvPr id="6" name="Picture 5" descr="convnet.png"/>
           <p:cNvPicPr>
-            <a:picLocks noGrp="1" noChangeAspect="1"/>
+            <a:picLocks noChangeAspect="1"/>
           </p:cNvPicPr>
-          <p:nvPr>
-            <p:ph idx="1"/>
-          </p:nvPr>
+          <p:nvPr/>
         </p:nvPicPr>
         <p:blipFill>
           <a:blip r:embed="rId2"/>
@@ -4173,9 +4660,12 @@
         </p:blipFill>
         <p:spPr>
           <a:xfrm>
-            <a:off x="-1" y="1828800"/>
-            <a:ext cx="9144001" cy="3910520"/>
+            <a:off x="0" y="2286000"/>
+            <a:ext cx="9144000" cy="4572000"/>
           </a:xfrm>
+          <a:prstGeom prst="rect">
+            <a:avLst/>
+          </a:prstGeom>
         </p:spPr>
       </p:pic>
     </p:spTree>
@@ -4215,38 +4705,102 @@
         </p:nvSpPr>
         <p:spPr/>
         <p:txBody>
-          <a:bodyPr/>
-          <a:lstStyle/>
-          <a:p>
+          <a:bodyPr>
+            <a:normAutofit fontScale="90000"/>
+          </a:bodyPr>
+          <a:lstStyle/>
+          <a:p>
+            <a:r>
+              <a:rPr lang="en-US" dirty="0" err="1" smtClean="0"/>
+              <a:t>Explainability</a:t>
+            </a:r>
             <a:r>
               <a:rPr lang="en-US" dirty="0" smtClean="0"/>
-              <a:t>Training Without Plot</a:t>
+              <a:t>:</a:t>
+            </a:r>
+            <a:br>
+              <a:rPr lang="en-US" dirty="0" smtClean="0"/>
+            </a:br>
+            <a:r>
+              <a:rPr lang="en-US" dirty="0" smtClean="0"/>
+              <a:t>Voodoo &amp; Robot Dreams</a:t>
             </a:r>
             <a:endParaRPr lang="en-US" dirty="0"/>
+          </a:p>
+        </p:txBody>
+      </p:sp>
+      <p:sp>
+        <p:nvSpPr>
+          <p:cNvPr id="3" name="Content Placeholder 2"/>
+          <p:cNvSpPr>
+            <a:spLocks noGrp="1"/>
+          </p:cNvSpPr>
+          <p:nvPr>
+            <p:ph idx="1"/>
+          </p:nvPr>
+        </p:nvSpPr>
+        <p:spPr/>
+        <p:txBody>
+          <a:bodyPr/>
+          <a:lstStyle/>
+          <a:p>
+            <a:endParaRPr lang="en-US" dirty="0" smtClean="0"/>
+          </a:p>
+          <a:p>
+            <a:endParaRPr lang="en-US" dirty="0" smtClean="0"/>
+          </a:p>
+          <a:p>
+            <a:endParaRPr lang="en-US" dirty="0"/>
+          </a:p>
+          <a:p>
+            <a:endParaRPr lang="en-US" dirty="0" smtClean="0"/>
+          </a:p>
+          <a:p>
+            <a:endParaRPr lang="en-US" dirty="0" smtClean="0"/>
+          </a:p>
+          <a:p>
+            <a:endParaRPr lang="en-US" dirty="0"/>
+          </a:p>
+          <a:p>
+            <a:endParaRPr lang="en-US" dirty="0"/>
+          </a:p>
+          <a:p>
+            <a:r>
+              <a:rPr lang="en-US" sz="2000" dirty="0" smtClean="0"/>
+              <a:t>Image: </a:t>
+            </a:r>
+            <a:r>
+              <a:rPr lang="en-US" sz="2000" dirty="0">
+                <a:hlinkClick r:id="rId2"/>
+              </a:rPr>
+              <a:t>https://sites.google.com/site/aidysft/objectdetection/more-gadgets</a:t>
+            </a:r>
+            <a:endParaRPr lang="en-US" sz="2000" dirty="0"/>
           </a:p>
         </p:txBody>
       </p:sp>
       <p:pic>
         <p:nvPicPr>
-          <p:cNvPr id="6" name="Content Placeholder 5" descr="training-lean-cropped-best.png"/>
+          <p:cNvPr id="4" name="Picture 3" descr="1 cufAO77aeSWdShs3ba5ndg.jpeg"/>
           <p:cNvPicPr>
-            <a:picLocks noGrp="1" noChangeAspect="1"/>
+            <a:picLocks noChangeAspect="1"/>
           </p:cNvPicPr>
-          <p:nvPr>
-            <p:ph idx="1"/>
-          </p:nvPr>
+          <p:nvPr/>
         </p:nvPicPr>
         <p:blipFill>
-          <a:blip r:embed="rId2"/>
+          <a:blip r:embed="rId3"/>
           <a:stretch>
             <a:fillRect/>
           </a:stretch>
         </p:blipFill>
         <p:spPr>
           <a:xfrm>
-            <a:off x="0" y="1624545"/>
-            <a:ext cx="8991599" cy="5242489"/>
+            <a:off x="1836737" y="1604010"/>
+            <a:ext cx="5374105" cy="4034790"/>
           </a:xfrm>
+          <a:prstGeom prst="rect">
+            <a:avLst/>
+          </a:prstGeom>
         </p:spPr>
       </p:pic>
     </p:spTree>
@@ -4254,13 +4808,6 @@
   <p:clrMapOvr>
     <a:masterClrMapping/>
   </p:clrMapOvr>
-  <p:timing>
-    <p:tnLst>
-      <p:par>
-        <p:cTn id="1" dur="indefinite" restart="never" nodeType="tmRoot"/>
-      </p:par>
-    </p:tnLst>
-  </p:timing>
 </p:sld>
 </file>
 
@@ -4298,7 +4845,15 @@
           <a:p>
             <a:r>
               <a:rPr lang="en-US" dirty="0" smtClean="0"/>
-              <a:t>Training With Plot</a:t>
+              <a:t>My </a:t>
+            </a:r>
+            <a:r>
+              <a:rPr lang="en-US" dirty="0" err="1" smtClean="0"/>
+              <a:t>Favourite</a:t>
+            </a:r>
+            <a:r>
+              <a:rPr lang="en-US" dirty="0" smtClean="0"/>
+              <a:t> Chunk of Code</a:t>
             </a:r>
             <a:endParaRPr lang="en-US" dirty="0"/>
           </a:p>
@@ -4306,7 +4861,7 @@
       </p:sp>
       <p:pic>
         <p:nvPicPr>
-          <p:cNvPr id="6" name="Content Placeholder 5" descr="training-plot-cropped-best.png"/>
+          <p:cNvPr id="4" name="Content Placeholder 3" descr="fave_code.png"/>
           <p:cNvPicPr>
             <a:picLocks noGrp="1" noChangeAspect="1"/>
           </p:cNvPicPr>
@@ -4322,8 +4877,8 @@
         </p:blipFill>
         <p:spPr>
           <a:xfrm>
-            <a:off x="533400" y="1213872"/>
-            <a:ext cx="7795757" cy="5644128"/>
+            <a:off x="-1" y="1828800"/>
+            <a:ext cx="9144001" cy="3910520"/>
           </a:xfrm>
         </p:spPr>
       </p:pic>
@@ -4332,16 +4887,6 @@
   <p:clrMapOvr>
     <a:masterClrMapping/>
   </p:clrMapOvr>
-  <p:transition spd="slow">
-    <p:dissolve/>
-  </p:transition>
-  <p:timing>
-    <p:tnLst>
-      <p:par>
-        <p:cTn id="1" dur="indefinite" restart="never" nodeType="tmRoot"/>
-      </p:par>
-    </p:tnLst>
-  </p:timing>
 </p:sld>
 </file>
 

--- a/training_birdsong_classifiers.pptx
+++ b/training_birdsong_classifiers.pptx
@@ -12,17 +12,20 @@
     <p:sldId id="263" r:id="rId6"/>
     <p:sldId id="270" r:id="rId7"/>
     <p:sldId id="273" r:id="rId8"/>
-    <p:sldId id="272" r:id="rId9"/>
-    <p:sldId id="257" r:id="rId10"/>
-    <p:sldId id="258" r:id="rId11"/>
-    <p:sldId id="259" r:id="rId12"/>
-    <p:sldId id="265" r:id="rId13"/>
-    <p:sldId id="266" r:id="rId14"/>
-    <p:sldId id="267" r:id="rId15"/>
-    <p:sldId id="274" r:id="rId16"/>
-    <p:sldId id="268" r:id="rId17"/>
-    <p:sldId id="260" r:id="rId18"/>
-    <p:sldId id="271" r:id="rId19"/>
+    <p:sldId id="276" r:id="rId9"/>
+    <p:sldId id="272" r:id="rId10"/>
+    <p:sldId id="275" r:id="rId11"/>
+    <p:sldId id="277" r:id="rId12"/>
+    <p:sldId id="257" r:id="rId13"/>
+    <p:sldId id="258" r:id="rId14"/>
+    <p:sldId id="259" r:id="rId15"/>
+    <p:sldId id="265" r:id="rId16"/>
+    <p:sldId id="266" r:id="rId17"/>
+    <p:sldId id="267" r:id="rId18"/>
+    <p:sldId id="274" r:id="rId19"/>
+    <p:sldId id="268" r:id="rId20"/>
+    <p:sldId id="260" r:id="rId21"/>
+    <p:sldId id="271" r:id="rId22"/>
   </p:sldIdLst>
   <p:sldSz cx="9144000" cy="6858000" type="screen4x3"/>
   <p:notesSz cx="6858000" cy="9144000"/>
@@ -3155,38 +3158,202 @@
         </p:nvSpPr>
         <p:spPr/>
         <p:txBody>
-          <a:bodyPr/>
-          <a:lstStyle/>
-          <a:p>
+          <a:bodyPr>
+            <a:normAutofit fontScale="90000"/>
+          </a:bodyPr>
+          <a:lstStyle/>
+          <a:p>
+            <a:r>
+              <a:rPr lang="en-US" dirty="0" err="1" smtClean="0"/>
+              <a:t>Explainability</a:t>
+            </a:r>
             <a:r>
               <a:rPr lang="en-US" dirty="0" smtClean="0"/>
-              <a:t>Training Without Plot</a:t>
+              <a:t>:</a:t>
+            </a:r>
+            <a:br>
+              <a:rPr lang="en-US" dirty="0" smtClean="0"/>
+            </a:br>
+            <a:r>
+              <a:rPr lang="en-US" dirty="0" smtClean="0"/>
+              <a:t>Voodoo and Robot Dreams</a:t>
             </a:r>
             <a:endParaRPr lang="en-US" dirty="0"/>
+          </a:p>
+        </p:txBody>
+      </p:sp>
+      <p:sp>
+        <p:nvSpPr>
+          <p:cNvPr id="5" name="Content Placeholder 4"/>
+          <p:cNvSpPr>
+            <a:spLocks noGrp="1"/>
+          </p:cNvSpPr>
+          <p:nvPr>
+            <p:ph idx="1"/>
+          </p:nvPr>
+        </p:nvSpPr>
+        <p:spPr>
+          <a:xfrm>
+            <a:off x="457200" y="1600200"/>
+            <a:ext cx="8229600" cy="4953000"/>
+          </a:xfrm>
+        </p:spPr>
+        <p:txBody>
+          <a:bodyPr>
+            <a:normAutofit/>
+          </a:bodyPr>
+          <a:lstStyle/>
+          <a:p>
+            <a:endParaRPr lang="en-US" dirty="0" smtClean="0"/>
+          </a:p>
+          <a:p>
+            <a:pPr>
+              <a:buNone/>
+            </a:pPr>
+            <a:endParaRPr lang="en-US" sz="1200" dirty="0" smtClean="0"/>
+          </a:p>
+          <a:p>
+            <a:pPr>
+              <a:buNone/>
+            </a:pPr>
+            <a:endParaRPr lang="en-US" sz="1200" dirty="0"/>
+          </a:p>
+          <a:p>
+            <a:pPr>
+              <a:buNone/>
+            </a:pPr>
+            <a:endParaRPr lang="en-US" sz="1200" dirty="0" smtClean="0"/>
+          </a:p>
+          <a:p>
+            <a:pPr>
+              <a:buNone/>
+            </a:pPr>
+            <a:endParaRPr lang="en-US" sz="1200" dirty="0"/>
+          </a:p>
+          <a:p>
+            <a:pPr>
+              <a:buNone/>
+            </a:pPr>
+            <a:endParaRPr lang="en-US" sz="1200" dirty="0" smtClean="0"/>
+          </a:p>
+          <a:p>
+            <a:pPr>
+              <a:buNone/>
+            </a:pPr>
+            <a:endParaRPr lang="en-US" sz="1200" dirty="0"/>
+          </a:p>
+          <a:p>
+            <a:pPr>
+              <a:buNone/>
+            </a:pPr>
+            <a:endParaRPr lang="en-US" sz="1200" dirty="0" smtClean="0"/>
+          </a:p>
+          <a:p>
+            <a:pPr>
+              <a:buNone/>
+            </a:pPr>
+            <a:endParaRPr lang="en-US" sz="1200" dirty="0"/>
+          </a:p>
+          <a:p>
+            <a:pPr>
+              <a:buNone/>
+            </a:pPr>
+            <a:endParaRPr lang="en-US" sz="1200" dirty="0" smtClean="0"/>
+          </a:p>
+          <a:p>
+            <a:pPr>
+              <a:buNone/>
+            </a:pPr>
+            <a:endParaRPr lang="en-US" sz="1200" dirty="0"/>
+          </a:p>
+          <a:p>
+            <a:pPr>
+              <a:buNone/>
+            </a:pPr>
+            <a:endParaRPr lang="en-US" sz="1200" dirty="0" smtClean="0"/>
+          </a:p>
+          <a:p>
+            <a:pPr>
+              <a:buNone/>
+            </a:pPr>
+            <a:endParaRPr lang="en-US" sz="1200" dirty="0"/>
+          </a:p>
+          <a:p>
+            <a:pPr>
+              <a:buNone/>
+            </a:pPr>
+            <a:endParaRPr lang="en-US" sz="1200" dirty="0" smtClean="0"/>
+          </a:p>
+          <a:p>
+            <a:pPr>
+              <a:buNone/>
+            </a:pPr>
+            <a:endParaRPr lang="en-US" sz="1200" dirty="0"/>
+          </a:p>
+          <a:p>
+            <a:pPr>
+              <a:buNone/>
+            </a:pPr>
+            <a:endParaRPr lang="en-US" sz="1200" dirty="0" smtClean="0"/>
+          </a:p>
+          <a:p>
+            <a:pPr>
+              <a:buNone/>
+            </a:pPr>
+            <a:endParaRPr lang="en-US" sz="1200" dirty="0"/>
+          </a:p>
+          <a:p>
+            <a:pPr>
+              <a:buNone/>
+            </a:pPr>
+            <a:endParaRPr lang="en-US" sz="1200" dirty="0" smtClean="0"/>
+          </a:p>
+          <a:p>
+            <a:pPr>
+              <a:buNone/>
+            </a:pPr>
+            <a:endParaRPr lang="en-US" sz="1300" dirty="0" smtClean="0"/>
+          </a:p>
+          <a:p>
+            <a:pPr>
+              <a:buNone/>
+            </a:pPr>
+            <a:r>
+              <a:rPr lang="en-US" sz="1300" dirty="0" smtClean="0"/>
+              <a:t>Image: </a:t>
+            </a:r>
+            <a:r>
+              <a:rPr lang="en-US" sz="1300" dirty="0">
+                <a:hlinkClick r:id="rId2"/>
+              </a:rPr>
+              <a:t>https://missinglink.ai/guides/convolutional-neural-networks/convolutional-neural-networks-image-classification/</a:t>
+            </a:r>
+            <a:endParaRPr lang="en-US" sz="1300" dirty="0"/>
           </a:p>
         </p:txBody>
       </p:sp>
       <p:pic>
         <p:nvPicPr>
-          <p:cNvPr id="6" name="Content Placeholder 5" descr="training-lean-cropped-best.png"/>
+          <p:cNvPr id="6" name="Picture 5" descr="AlexNet-2012.png"/>
           <p:cNvPicPr>
-            <a:picLocks noGrp="1" noChangeAspect="1"/>
+            <a:picLocks noChangeAspect="1"/>
           </p:cNvPicPr>
-          <p:nvPr>
-            <p:ph idx="1"/>
-          </p:nvPr>
+          <p:nvPr/>
         </p:nvPicPr>
         <p:blipFill>
-          <a:blip r:embed="rId2"/>
+          <a:blip r:embed="rId3"/>
           <a:stretch>
             <a:fillRect/>
           </a:stretch>
         </p:blipFill>
         <p:spPr>
           <a:xfrm>
-            <a:off x="0" y="1624545"/>
-            <a:ext cx="8991599" cy="5242489"/>
+            <a:off x="0" y="1447800"/>
+            <a:ext cx="9144000" cy="4647902"/>
           </a:xfrm>
+          <a:prstGeom prst="rect">
+            <a:avLst/>
+          </a:prstGeom>
         </p:spPr>
       </p:pic>
     </p:spTree>
@@ -3233,6 +3400,243 @@
         </p:nvSpPr>
         <p:spPr/>
         <p:txBody>
+          <a:bodyPr>
+            <a:normAutofit fontScale="90000"/>
+          </a:bodyPr>
+          <a:lstStyle/>
+          <a:p>
+            <a:r>
+              <a:rPr lang="en-US" dirty="0" smtClean="0"/>
+              <a:t>20M Weights, Voodoo Output</a:t>
+            </a:r>
+            <a:endParaRPr lang="en-US" dirty="0"/>
+          </a:p>
+        </p:txBody>
+      </p:sp>
+      <p:pic>
+        <p:nvPicPr>
+          <p:cNvPr id="4" name="Content Placeholder 3" descr="modelvoodoo2cropped.png"/>
+          <p:cNvPicPr>
+            <a:picLocks noGrp="1" noChangeAspect="1"/>
+          </p:cNvPicPr>
+          <p:nvPr>
+            <p:ph idx="1"/>
+          </p:nvPr>
+        </p:nvPicPr>
+        <p:blipFill>
+          <a:blip r:embed="rId2"/>
+          <a:stretch>
+            <a:fillRect/>
+          </a:stretch>
+        </p:blipFill>
+        <p:spPr>
+          <a:xfrm>
+            <a:off x="806399" y="1600200"/>
+            <a:ext cx="7531202" cy="4525963"/>
+          </a:xfrm>
+        </p:spPr>
+      </p:pic>
+    </p:spTree>
+  </p:cSld>
+  <p:clrMapOvr>
+    <a:masterClrMapping/>
+  </p:clrMapOvr>
+</p:sld>
+</file>
+
+<file path=ppt/slides/slide12.xml><?xml version="1.0" encoding="utf-8"?>
+<p:sld xmlns:a="http://schemas.openxmlformats.org/drawingml/2006/main" xmlns:r="http://schemas.openxmlformats.org/officeDocument/2006/relationships" xmlns:p="http://schemas.openxmlformats.org/presentationml/2006/main">
+  <p:cSld>
+    <p:spTree>
+      <p:nvGrpSpPr>
+        <p:cNvPr id="1" name=""/>
+        <p:cNvGrpSpPr/>
+        <p:nvPr/>
+      </p:nvGrpSpPr>
+      <p:grpSpPr>
+        <a:xfrm>
+          <a:off x="0" y="0"/>
+          <a:ext cx="0" cy="0"/>
+          <a:chOff x="0" y="0"/>
+          <a:chExt cx="0" cy="0"/>
+        </a:xfrm>
+      </p:grpSpPr>
+      <p:sp>
+        <p:nvSpPr>
+          <p:cNvPr id="2" name="Title 1"/>
+          <p:cNvSpPr>
+            <a:spLocks noGrp="1"/>
+          </p:cNvSpPr>
+          <p:nvPr>
+            <p:ph type="title"/>
+          </p:nvPr>
+        </p:nvSpPr>
+        <p:spPr/>
+        <p:txBody>
+          <a:bodyPr/>
+          <a:lstStyle/>
+          <a:p>
+            <a:r>
+              <a:rPr lang="en-US" dirty="0" smtClean="0"/>
+              <a:t>My </a:t>
+            </a:r>
+            <a:r>
+              <a:rPr lang="en-US" dirty="0" err="1" smtClean="0"/>
+              <a:t>Favourite</a:t>
+            </a:r>
+            <a:r>
+              <a:rPr lang="en-US" dirty="0" smtClean="0"/>
+              <a:t> Chunk of Code</a:t>
+            </a:r>
+            <a:endParaRPr lang="en-US" dirty="0"/>
+          </a:p>
+        </p:txBody>
+      </p:sp>
+      <p:pic>
+        <p:nvPicPr>
+          <p:cNvPr id="4" name="Content Placeholder 3" descr="fave_code.png"/>
+          <p:cNvPicPr>
+            <a:picLocks noGrp="1" noChangeAspect="1"/>
+          </p:cNvPicPr>
+          <p:nvPr>
+            <p:ph idx="1"/>
+          </p:nvPr>
+        </p:nvPicPr>
+        <p:blipFill>
+          <a:blip r:embed="rId2"/>
+          <a:stretch>
+            <a:fillRect/>
+          </a:stretch>
+        </p:blipFill>
+        <p:spPr>
+          <a:xfrm>
+            <a:off x="-1" y="1828800"/>
+            <a:ext cx="9144001" cy="3910520"/>
+          </a:xfrm>
+        </p:spPr>
+      </p:pic>
+    </p:spTree>
+  </p:cSld>
+  <p:clrMapOvr>
+    <a:masterClrMapping/>
+  </p:clrMapOvr>
+  <p:timing>
+    <p:tnLst>
+      <p:par>
+        <p:cTn id="1" dur="indefinite" restart="never" nodeType="tmRoot"/>
+      </p:par>
+    </p:tnLst>
+  </p:timing>
+</p:sld>
+</file>
+
+<file path=ppt/slides/slide13.xml><?xml version="1.0" encoding="utf-8"?>
+<p:sld xmlns:a="http://schemas.openxmlformats.org/drawingml/2006/main" xmlns:r="http://schemas.openxmlformats.org/officeDocument/2006/relationships" xmlns:p="http://schemas.openxmlformats.org/presentationml/2006/main">
+  <p:cSld>
+    <p:spTree>
+      <p:nvGrpSpPr>
+        <p:cNvPr id="1" name=""/>
+        <p:cNvGrpSpPr/>
+        <p:nvPr/>
+      </p:nvGrpSpPr>
+      <p:grpSpPr>
+        <a:xfrm>
+          <a:off x="0" y="0"/>
+          <a:ext cx="0" cy="0"/>
+          <a:chOff x="0" y="0"/>
+          <a:chExt cx="0" cy="0"/>
+        </a:xfrm>
+      </p:grpSpPr>
+      <p:sp>
+        <p:nvSpPr>
+          <p:cNvPr id="2" name="Title 1"/>
+          <p:cNvSpPr>
+            <a:spLocks noGrp="1"/>
+          </p:cNvSpPr>
+          <p:nvPr>
+            <p:ph type="title"/>
+          </p:nvPr>
+        </p:nvSpPr>
+        <p:spPr/>
+        <p:txBody>
+          <a:bodyPr/>
+          <a:lstStyle/>
+          <a:p>
+            <a:r>
+              <a:rPr lang="en-US" dirty="0" smtClean="0"/>
+              <a:t>Training Without Plot</a:t>
+            </a:r>
+            <a:endParaRPr lang="en-US" dirty="0"/>
+          </a:p>
+        </p:txBody>
+      </p:sp>
+      <p:pic>
+        <p:nvPicPr>
+          <p:cNvPr id="6" name="Content Placeholder 5" descr="training-lean-cropped-best.png"/>
+          <p:cNvPicPr>
+            <a:picLocks noGrp="1" noChangeAspect="1"/>
+          </p:cNvPicPr>
+          <p:nvPr>
+            <p:ph idx="1"/>
+          </p:nvPr>
+        </p:nvPicPr>
+        <p:blipFill>
+          <a:blip r:embed="rId2"/>
+          <a:stretch>
+            <a:fillRect/>
+          </a:stretch>
+        </p:blipFill>
+        <p:spPr>
+          <a:xfrm>
+            <a:off x="0" y="1624545"/>
+            <a:ext cx="8991599" cy="5242489"/>
+          </a:xfrm>
+        </p:spPr>
+      </p:pic>
+    </p:spTree>
+  </p:cSld>
+  <p:clrMapOvr>
+    <a:masterClrMapping/>
+  </p:clrMapOvr>
+  <p:timing>
+    <p:tnLst>
+      <p:par>
+        <p:cTn id="1" dur="indefinite" restart="never" nodeType="tmRoot"/>
+      </p:par>
+    </p:tnLst>
+  </p:timing>
+</p:sld>
+</file>
+
+<file path=ppt/slides/slide14.xml><?xml version="1.0" encoding="utf-8"?>
+<p:sld xmlns:a="http://schemas.openxmlformats.org/drawingml/2006/main" xmlns:r="http://schemas.openxmlformats.org/officeDocument/2006/relationships" xmlns:p="http://schemas.openxmlformats.org/presentationml/2006/main">
+  <p:cSld>
+    <p:spTree>
+      <p:nvGrpSpPr>
+        <p:cNvPr id="1" name=""/>
+        <p:cNvGrpSpPr/>
+        <p:nvPr/>
+      </p:nvGrpSpPr>
+      <p:grpSpPr>
+        <a:xfrm>
+          <a:off x="0" y="0"/>
+          <a:ext cx="0" cy="0"/>
+          <a:chOff x="0" y="0"/>
+          <a:chExt cx="0" cy="0"/>
+        </a:xfrm>
+      </p:grpSpPr>
+      <p:sp>
+        <p:nvSpPr>
+          <p:cNvPr id="2" name="Title 1"/>
+          <p:cNvSpPr>
+            <a:spLocks noGrp="1"/>
+          </p:cNvSpPr>
+          <p:nvPr>
+            <p:ph type="title"/>
+          </p:nvPr>
+        </p:nvSpPr>
+        <p:spPr/>
+        <p:txBody>
           <a:bodyPr/>
           <a:lstStyle/>
           <a:p>
@@ -3285,7 +3689,7 @@
 </p:sld>
 </file>
 
-<file path=ppt/slides/slide12.xml><?xml version="1.0" encoding="utf-8"?>
+<file path=ppt/slides/slide15.xml><?xml version="1.0" encoding="utf-8"?>
 <p:sld xmlns:a="http://schemas.openxmlformats.org/drawingml/2006/main" xmlns:r="http://schemas.openxmlformats.org/officeDocument/2006/relationships" xmlns:p="http://schemas.openxmlformats.org/presentationml/2006/main">
   <p:cSld>
     <p:spTree>
@@ -3321,7 +3725,7 @@
           <a:p>
             <a:r>
               <a:rPr lang="en-US" dirty="0" smtClean="0"/>
-              <a:t>Empathizing with ML Models on Raw Signal Data</a:t>
+              <a:t>Empathizing with ML Models on Raw Data &amp; Feature Extraction</a:t>
             </a:r>
             <a:endParaRPr lang="en-US" dirty="0"/>
           </a:p>
@@ -3355,293 +3759,13 @@
   <p:clrMapOvr>
     <a:masterClrMapping/>
   </p:clrMapOvr>
-</p:sld>
-</file>
-
-<file path=ppt/slides/slide13.xml><?xml version="1.0" encoding="utf-8"?>
-<p:sld xmlns:a="http://schemas.openxmlformats.org/drawingml/2006/main" xmlns:r="http://schemas.openxmlformats.org/officeDocument/2006/relationships" xmlns:p="http://schemas.openxmlformats.org/presentationml/2006/main">
-  <p:cSld>
-    <p:spTree>
-      <p:nvGrpSpPr>
-        <p:cNvPr id="1" name=""/>
-        <p:cNvGrpSpPr/>
-        <p:nvPr/>
-      </p:nvGrpSpPr>
-      <p:grpSpPr>
-        <a:xfrm>
-          <a:off x="0" y="0"/>
-          <a:ext cx="0" cy="0"/>
-          <a:chOff x="0" y="0"/>
-          <a:chExt cx="0" cy="0"/>
-        </a:xfrm>
-      </p:grpSpPr>
-      <p:sp>
-        <p:nvSpPr>
-          <p:cNvPr id="2" name="Title 1"/>
-          <p:cNvSpPr>
-            <a:spLocks noGrp="1"/>
-          </p:cNvSpPr>
-          <p:nvPr>
-            <p:ph type="title"/>
-          </p:nvPr>
-        </p:nvSpPr>
-        <p:spPr/>
-        <p:txBody>
-          <a:bodyPr/>
-          <a:lstStyle/>
-          <a:p>
-            <a:r>
-              <a:rPr lang="en-US" dirty="0" smtClean="0"/>
-              <a:t>Scaling Up</a:t>
-            </a:r>
-            <a:endParaRPr lang="en-US" dirty="0"/>
-          </a:p>
-        </p:txBody>
-      </p:sp>
-      <p:sp>
-        <p:nvSpPr>
-          <p:cNvPr id="3" name="Content Placeholder 2"/>
-          <p:cNvSpPr>
-            <a:spLocks noGrp="1"/>
-          </p:cNvSpPr>
-          <p:nvPr>
-            <p:ph idx="1"/>
-          </p:nvPr>
-        </p:nvSpPr>
-        <p:spPr/>
-        <p:txBody>
-          <a:bodyPr/>
-          <a:lstStyle/>
-          <a:p>
-            <a:endParaRPr lang="en-US" sz="4000" dirty="0" smtClean="0"/>
-          </a:p>
-          <a:p>
-            <a:r>
-              <a:rPr lang="en-US" sz="4000" dirty="0" smtClean="0"/>
-              <a:t>Use all the species in the dataset</a:t>
-            </a:r>
-          </a:p>
-          <a:p>
-            <a:r>
-              <a:rPr lang="en-US" sz="4000" dirty="0" smtClean="0"/>
-              <a:t>More samples from sliding windows</a:t>
-            </a:r>
-          </a:p>
-          <a:p>
-            <a:r>
-              <a:rPr lang="en-US" sz="4000" dirty="0" smtClean="0"/>
-              <a:t>More steps per Epoch</a:t>
-            </a:r>
-          </a:p>
-          <a:p>
-            <a:r>
-              <a:rPr lang="en-US" sz="4000" dirty="0" smtClean="0"/>
-              <a:t>More Epochs</a:t>
-            </a:r>
-          </a:p>
-          <a:p>
-            <a:endParaRPr lang="en-US" dirty="0" smtClean="0"/>
-          </a:p>
-        </p:txBody>
-      </p:sp>
-    </p:spTree>
-  </p:cSld>
-  <p:clrMapOvr>
-    <a:masterClrMapping/>
-  </p:clrMapOvr>
-</p:sld>
-</file>
-
-<file path=ppt/slides/slide14.xml><?xml version="1.0" encoding="utf-8"?>
-<p:sld xmlns:a="http://schemas.openxmlformats.org/drawingml/2006/main" xmlns:r="http://schemas.openxmlformats.org/officeDocument/2006/relationships" xmlns:p="http://schemas.openxmlformats.org/presentationml/2006/main">
-  <p:cSld>
-    <p:spTree>
-      <p:nvGrpSpPr>
-        <p:cNvPr id="1" name=""/>
-        <p:cNvGrpSpPr/>
-        <p:nvPr/>
-      </p:nvGrpSpPr>
-      <p:grpSpPr>
-        <a:xfrm>
-          <a:off x="0" y="0"/>
-          <a:ext cx="0" cy="0"/>
-          <a:chOff x="0" y="0"/>
-          <a:chExt cx="0" cy="0"/>
-        </a:xfrm>
-      </p:grpSpPr>
-      <p:sp>
-        <p:nvSpPr>
-          <p:cNvPr id="2" name="Title 1"/>
-          <p:cNvSpPr>
-            <a:spLocks noGrp="1"/>
-          </p:cNvSpPr>
-          <p:nvPr>
-            <p:ph type="title"/>
-          </p:nvPr>
-        </p:nvSpPr>
-        <p:spPr/>
-        <p:txBody>
-          <a:bodyPr/>
-          <a:lstStyle/>
-          <a:p>
-            <a:r>
-              <a:rPr lang="en-US" dirty="0" smtClean="0"/>
-              <a:t>Tuning the model</a:t>
-            </a:r>
-            <a:endParaRPr lang="en-US" dirty="0"/>
-          </a:p>
-        </p:txBody>
-      </p:sp>
-      <p:sp>
-        <p:nvSpPr>
-          <p:cNvPr id="3" name="Content Placeholder 2"/>
-          <p:cNvSpPr>
-            <a:spLocks noGrp="1"/>
-          </p:cNvSpPr>
-          <p:nvPr>
-            <p:ph idx="1"/>
-          </p:nvPr>
-        </p:nvSpPr>
-        <p:spPr/>
-        <p:txBody>
-          <a:bodyPr/>
-          <a:lstStyle/>
-          <a:p>
-            <a:r>
-              <a:rPr lang="en-US" sz="4000" dirty="0" smtClean="0"/>
-              <a:t>Decrease learning rate</a:t>
-            </a:r>
-          </a:p>
-          <a:p>
-            <a:r>
-              <a:rPr lang="en-US" sz="4000" dirty="0" smtClean="0"/>
-              <a:t>Adjust learning rate decay</a:t>
-            </a:r>
-          </a:p>
-          <a:p>
-            <a:r>
-              <a:rPr lang="en-US" sz="4000" dirty="0" smtClean="0"/>
-              <a:t>Adam, </a:t>
-            </a:r>
-            <a:r>
-              <a:rPr lang="en-US" sz="4000" dirty="0" err="1" smtClean="0"/>
-              <a:t>RMSProp</a:t>
-            </a:r>
-            <a:r>
-              <a:rPr lang="en-US" sz="4000" dirty="0" smtClean="0"/>
-              <a:t> optimizers</a:t>
-            </a:r>
-          </a:p>
-          <a:p>
-            <a:r>
-              <a:rPr lang="en-US" sz="4000" dirty="0" smtClean="0"/>
-              <a:t>Momentum</a:t>
-            </a:r>
-          </a:p>
-          <a:p>
-            <a:r>
-              <a:rPr lang="en-US" sz="4000" dirty="0" smtClean="0"/>
-              <a:t>Add and remove layers</a:t>
-            </a:r>
-          </a:p>
-          <a:p>
-            <a:r>
-              <a:rPr lang="en-US" sz="4000" dirty="0" smtClean="0"/>
-              <a:t>Increase size of model’s input layer</a:t>
-            </a:r>
-          </a:p>
-          <a:p>
-            <a:endParaRPr lang="en-US" dirty="0" smtClean="0"/>
-          </a:p>
-          <a:p>
-            <a:endParaRPr lang="en-US" dirty="0" smtClean="0"/>
-          </a:p>
-        </p:txBody>
-      </p:sp>
-    </p:spTree>
-  </p:cSld>
-  <p:clrMapOvr>
-    <a:masterClrMapping/>
-  </p:clrMapOvr>
-</p:sld>
-</file>
-
-<file path=ppt/slides/slide15.xml><?xml version="1.0" encoding="utf-8"?>
-<p:sld xmlns:a="http://schemas.openxmlformats.org/drawingml/2006/main" xmlns:r="http://schemas.openxmlformats.org/officeDocument/2006/relationships" xmlns:p="http://schemas.openxmlformats.org/presentationml/2006/main">
-  <p:cSld>
-    <p:spTree>
-      <p:nvGrpSpPr>
-        <p:cNvPr id="1" name=""/>
-        <p:cNvGrpSpPr/>
-        <p:nvPr/>
-      </p:nvGrpSpPr>
-      <p:grpSpPr>
-        <a:xfrm>
-          <a:off x="0" y="0"/>
-          <a:ext cx="0" cy="0"/>
-          <a:chOff x="0" y="0"/>
-          <a:chExt cx="0" cy="0"/>
-        </a:xfrm>
-      </p:grpSpPr>
-      <p:sp>
-        <p:nvSpPr>
-          <p:cNvPr id="2" name="Title 1"/>
-          <p:cNvSpPr>
-            <a:spLocks noGrp="1"/>
-          </p:cNvSpPr>
-          <p:nvPr>
-            <p:ph type="title"/>
-          </p:nvPr>
-        </p:nvSpPr>
-        <p:spPr/>
-        <p:txBody>
-          <a:bodyPr/>
-          <a:lstStyle/>
-          <a:p>
-            <a:r>
-              <a:rPr lang="en-US" dirty="0" smtClean="0"/>
-              <a:t>Laptop </a:t>
-            </a:r>
-            <a:r>
-              <a:rPr lang="en-US" dirty="0" err="1" smtClean="0"/>
-              <a:t>vs</a:t>
-            </a:r>
-            <a:r>
-              <a:rPr lang="en-US" dirty="0" smtClean="0"/>
-              <a:t> Cloud GPUs</a:t>
-            </a:r>
-            <a:endParaRPr lang="en-US" dirty="0"/>
-          </a:p>
-        </p:txBody>
-      </p:sp>
-      <p:pic>
-        <p:nvPicPr>
-          <p:cNvPr id="4" name="Content Placeholder 3" descr="best-slide-ever.png"/>
-          <p:cNvPicPr>
-            <a:picLocks noGrp="1" noChangeAspect="1"/>
-          </p:cNvPicPr>
-          <p:nvPr>
-            <p:ph idx="1"/>
-          </p:nvPr>
-        </p:nvPicPr>
-        <p:blipFill>
-          <a:blip r:embed="rId2"/>
-          <a:stretch>
-            <a:fillRect/>
-          </a:stretch>
-        </p:blipFill>
-        <p:spPr>
-          <a:xfrm>
-            <a:off x="-26982" y="1341792"/>
-            <a:ext cx="9170981" cy="5516208"/>
-          </a:xfrm>
-        </p:spPr>
-      </p:pic>
-    </p:spTree>
-  </p:cSld>
-  <p:clrMapOvr>
-    <a:masterClrMapping/>
-  </p:clrMapOvr>
+  <p:timing>
+    <p:tnLst>
+      <p:par>
+        <p:cTn id="1" dur="indefinite" restart="never" nodeType="tmRoot"/>
+      </p:par>
+    </p:tnLst>
+  </p:timing>
 </p:sld>
 </file>
 
@@ -3679,7 +3803,7 @@
           <a:p>
             <a:r>
               <a:rPr lang="en-US" dirty="0" smtClean="0"/>
-              <a:t>Conclusions</a:t>
+              <a:t>Scaling Up</a:t>
             </a:r>
             <a:endParaRPr lang="en-US" dirty="0"/>
           </a:p>
@@ -3700,33 +3824,34 @@
           <a:bodyPr/>
           <a:lstStyle/>
           <a:p>
-            <a:r>
-              <a:rPr lang="en-US" sz="3600" dirty="0" smtClean="0"/>
-              <a:t>Spectrograms with a </a:t>
-            </a:r>
-            <a:r>
-              <a:rPr lang="en-US" sz="3600" dirty="0" err="1" smtClean="0"/>
-              <a:t>ConvNet</a:t>
-            </a:r>
-            <a:r>
-              <a:rPr lang="en-US" sz="3600" dirty="0" smtClean="0"/>
-              <a:t> are the simplest most common approach</a:t>
-            </a:r>
-          </a:p>
-          <a:p>
-            <a:r>
-              <a:rPr lang="en-US" sz="3600" dirty="0" smtClean="0"/>
-              <a:t>Using a flattened VGG-19 to extract audio features is powerful but mysterious</a:t>
-            </a:r>
-          </a:p>
-          <a:p>
-            <a:r>
-              <a:rPr lang="en-US" sz="3600" dirty="0" smtClean="0"/>
-              <a:t>A simple cloud environment can run 10 times as fast using 10 times as much data</a:t>
-            </a:r>
-          </a:p>
-          <a:p>
-            <a:endParaRPr lang="en-US" dirty="0"/>
+            <a:endParaRPr lang="en-US" sz="4000" dirty="0" smtClean="0"/>
+          </a:p>
+          <a:p>
+            <a:r>
+              <a:rPr lang="en-US" sz="4000" dirty="0" smtClean="0"/>
+              <a:t>Use all the species in the dataset</a:t>
+            </a:r>
+          </a:p>
+          <a:p>
+            <a:r>
+              <a:rPr lang="en-US" sz="4000" dirty="0" smtClean="0"/>
+              <a:t>More samples from sliding windows</a:t>
+            </a:r>
+          </a:p>
+          <a:p>
+            <a:r>
+              <a:rPr lang="en-US" sz="4000" dirty="0" smtClean="0"/>
+              <a:t>More steps per Epoch</a:t>
+            </a:r>
+          </a:p>
+          <a:p>
+            <a:r>
+              <a:rPr lang="en-US" sz="4000" dirty="0" smtClean="0"/>
+              <a:t>More Epochs</a:t>
+            </a:r>
+          </a:p>
+          <a:p>
+            <a:endParaRPr lang="en-US" dirty="0" smtClean="0"/>
           </a:p>
         </p:txBody>
       </p:sp>
@@ -3735,6 +3860,13 @@
   <p:clrMapOvr>
     <a:masterClrMapping/>
   </p:clrMapOvr>
+  <p:timing>
+    <p:tnLst>
+      <p:par>
+        <p:cTn id="1" dur="indefinite" restart="never" nodeType="tmRoot"/>
+      </p:par>
+    </p:tnLst>
+  </p:timing>
 </p:sld>
 </file>
 
@@ -3772,7 +3904,7 @@
           <a:p>
             <a:r>
               <a:rPr lang="en-US" dirty="0" smtClean="0"/>
-              <a:t>Future Work</a:t>
+              <a:t>Playing with the Model</a:t>
             </a:r>
             <a:endParaRPr lang="en-US" dirty="0"/>
           </a:p>
@@ -3788,39 +3920,59 @@
             <p:ph idx="1"/>
           </p:nvPr>
         </p:nvSpPr>
-        <p:spPr>
-          <a:xfrm>
-            <a:off x="1219200" y="1600200"/>
-            <a:ext cx="7467600" cy="4525963"/>
-          </a:xfrm>
-        </p:spPr>
-        <p:txBody>
-          <a:bodyPr>
-            <a:normAutofit/>
-          </a:bodyPr>
-          <a:lstStyle/>
-          <a:p>
-            <a:pPr algn="ctr"/>
-            <a:endParaRPr lang="en-US" sz="4800" dirty="0" smtClean="0"/>
-          </a:p>
-          <a:p>
-            <a:r>
-              <a:rPr lang="en-US" sz="4800" dirty="0" smtClean="0"/>
-              <a:t>More data, more birds</a:t>
-            </a:r>
-          </a:p>
-          <a:p>
-            <a:r>
-              <a:rPr lang="en-US" sz="4800" dirty="0" smtClean="0"/>
-              <a:t>More advanced models</a:t>
-            </a:r>
-          </a:p>
-          <a:p>
-            <a:r>
-              <a:rPr lang="en-US" sz="4800" dirty="0" smtClean="0"/>
-              <a:t>Deploy in the field</a:t>
-            </a:r>
-            <a:endParaRPr lang="en-US" sz="4800" dirty="0"/>
+        <p:spPr/>
+        <p:txBody>
+          <a:bodyPr/>
+          <a:lstStyle/>
+          <a:p>
+            <a:r>
+              <a:rPr lang="en-US" sz="4000" dirty="0" smtClean="0"/>
+              <a:t>Decrease learning rate</a:t>
+            </a:r>
+          </a:p>
+          <a:p>
+            <a:r>
+              <a:rPr lang="en-US" sz="4000" dirty="0" smtClean="0"/>
+              <a:t>Adjust learning rate decay</a:t>
+            </a:r>
+          </a:p>
+          <a:p>
+            <a:r>
+              <a:rPr lang="en-US" sz="4000" dirty="0" smtClean="0"/>
+              <a:t>Adam, </a:t>
+            </a:r>
+            <a:r>
+              <a:rPr lang="en-US" sz="4000" dirty="0" err="1" smtClean="0"/>
+              <a:t>RMSProp</a:t>
+            </a:r>
+            <a:r>
+              <a:rPr lang="en-US" sz="4000" dirty="0" smtClean="0"/>
+              <a:t> optimizers</a:t>
+            </a:r>
+          </a:p>
+          <a:p>
+            <a:r>
+              <a:rPr lang="en-US" sz="4000" dirty="0" smtClean="0"/>
+              <a:t>Momentum</a:t>
+            </a:r>
+          </a:p>
+          <a:p>
+            <a:r>
+              <a:rPr lang="en-US" sz="4000" dirty="0" smtClean="0"/>
+              <a:t>Add and remove layers</a:t>
+            </a:r>
+          </a:p>
+          <a:p>
+            <a:r>
+              <a:rPr lang="en-US" sz="4000" dirty="0" smtClean="0"/>
+              <a:t>Increase size of model’s input layer</a:t>
+            </a:r>
+          </a:p>
+          <a:p>
+            <a:endParaRPr lang="en-US" dirty="0" smtClean="0"/>
+          </a:p>
+          <a:p>
+            <a:endParaRPr lang="en-US" dirty="0" smtClean="0"/>
           </a:p>
         </p:txBody>
       </p:sp>
@@ -3873,190 +4025,155 @@
           <a:p>
             <a:r>
               <a:rPr lang="en-US" dirty="0" smtClean="0"/>
-              <a:t>Bibliography</a:t>
+              <a:t>Laptop </a:t>
+            </a:r>
+            <a:r>
+              <a:rPr lang="en-US" dirty="0" err="1" smtClean="0"/>
+              <a:t>vs</a:t>
+            </a:r>
+            <a:r>
+              <a:rPr lang="en-US" dirty="0" smtClean="0"/>
+              <a:t> GPU in the Cloud</a:t>
             </a:r>
             <a:endParaRPr lang="en-US" dirty="0"/>
           </a:p>
         </p:txBody>
       </p:sp>
-      <p:sp>
-        <p:nvSpPr>
-          <p:cNvPr id="3" name="Content Placeholder 2"/>
-          <p:cNvSpPr>
-            <a:spLocks noGrp="1"/>
-          </p:cNvSpPr>
+      <p:pic>
+        <p:nvPicPr>
+          <p:cNvPr id="4" name="Content Placeholder 3" descr="best-slide-ever.png"/>
+          <p:cNvPicPr>
+            <a:picLocks noGrp="1" noChangeAspect="1"/>
+          </p:cNvPicPr>
           <p:nvPr>
             <p:ph idx="1"/>
           </p:nvPr>
-        </p:nvSpPr>
+        </p:nvPicPr>
+        <p:blipFill>
+          <a:blip r:embed="rId2"/>
+          <a:stretch>
+            <a:fillRect/>
+          </a:stretch>
+        </p:blipFill>
         <p:spPr>
           <a:xfrm>
-            <a:off x="457200" y="1600200"/>
-            <a:ext cx="8229600" cy="5105400"/>
+            <a:off x="-26982" y="1341792"/>
+            <a:ext cx="9170981" cy="5516208"/>
           </a:xfrm>
         </p:spPr>
-        <p:txBody>
-          <a:bodyPr>
-            <a:normAutofit fontScale="40000" lnSpcReduction="20000"/>
-          </a:bodyPr>
-          <a:lstStyle/>
-          <a:p>
-            <a:r>
-              <a:rPr lang="en-US" sz="6000" dirty="0" smtClean="0"/>
-              <a:t>Beginner's Guide to Audio Data</a:t>
-            </a:r>
-          </a:p>
-          <a:p>
-            <a:pPr>
-              <a:buNone/>
-            </a:pPr>
-            <a:r>
-              <a:rPr lang="en-US" sz="4500" dirty="0" smtClean="0">
-                <a:hlinkClick r:id="rId2"/>
-              </a:rPr>
-              <a:t>https://www.kaggle.com/fizzbuzz/beginner-s-guide-to-audio-data</a:t>
-            </a:r>
-            <a:endParaRPr lang="en-US" sz="4500" dirty="0" smtClean="0"/>
-          </a:p>
-          <a:p>
-            <a:pPr>
-              <a:buNone/>
-            </a:pPr>
-            <a:endParaRPr lang="en-US" sz="4000" dirty="0" smtClean="0"/>
-          </a:p>
-          <a:p>
-            <a:r>
-              <a:rPr lang="en-US" sz="6000" dirty="0" smtClean="0"/>
-              <a:t>How to apply machine learning and deep learning methods to audio analysis</a:t>
-            </a:r>
-          </a:p>
-          <a:p>
-            <a:pPr>
-              <a:buNone/>
-            </a:pPr>
-            <a:r>
-              <a:rPr lang="en-US" sz="4000" dirty="0" smtClean="0">
-                <a:hlinkClick r:id="rId3"/>
-              </a:rPr>
-              <a:t>https://towardsdatascience.com/how-to-apply-machine-learning-and-deep-learning-methods-to-audio-analysis-615e286fcbbc</a:t>
-            </a:r>
-            <a:r>
-              <a:rPr lang="en-US" sz="4000" dirty="0" smtClean="0"/>
-              <a:t/>
-            </a:r>
-            <a:br>
-              <a:rPr lang="en-US" sz="4000" dirty="0" smtClean="0"/>
-            </a:br>
-            <a:endParaRPr lang="en-US" sz="4000" dirty="0" smtClean="0"/>
-          </a:p>
-          <a:p>
-            <a:r>
-              <a:rPr lang="en-US" sz="6000" dirty="0" smtClean="0"/>
-              <a:t>Urban Sound Classification using </a:t>
-            </a:r>
-            <a:r>
-              <a:rPr lang="en-US" sz="6000" dirty="0" err="1" smtClean="0"/>
-              <a:t>Convolutional</a:t>
-            </a:r>
-            <a:r>
-              <a:rPr lang="en-US" sz="6000" dirty="0" smtClean="0"/>
-              <a:t> Neural Networks with </a:t>
-            </a:r>
-            <a:r>
-              <a:rPr lang="en-US" sz="6000" dirty="0" err="1" smtClean="0"/>
-              <a:t>Keras</a:t>
-            </a:r>
-            <a:r>
-              <a:rPr lang="en-US" sz="6000" dirty="0" smtClean="0"/>
-              <a:t>: Theory and Implementation</a:t>
-            </a:r>
-          </a:p>
-          <a:p>
-            <a:pPr>
-              <a:buNone/>
-            </a:pPr>
-            <a:r>
-              <a:rPr lang="en-US" sz="4000" dirty="0" smtClean="0">
-                <a:hlinkClick r:id="rId4"/>
-              </a:rPr>
-              <a:t>https://medium.com/gradientcrescent/urban-sound-classification-using-convolutional-neural-networks-with-keras-theory-and-486e92785df4</a:t>
-            </a:r>
-            <a:r>
-              <a:rPr lang="en-US" sz="4000" dirty="0" smtClean="0"/>
-              <a:t> </a:t>
-            </a:r>
-            <a:br>
-              <a:rPr lang="en-US" sz="4000" dirty="0" smtClean="0"/>
-            </a:br>
-            <a:endParaRPr lang="en-US" sz="4000" dirty="0" smtClean="0"/>
-          </a:p>
-          <a:p>
-            <a:r>
-              <a:rPr lang="en-US" sz="6000" dirty="0" smtClean="0"/>
-              <a:t>Audio Classification with Pre-trained VGG-19 (</a:t>
-            </a:r>
-            <a:r>
-              <a:rPr lang="en-US" sz="6000" dirty="0" err="1" smtClean="0"/>
-              <a:t>Keras</a:t>
-            </a:r>
-            <a:r>
-              <a:rPr lang="en-US" sz="6000" dirty="0" smtClean="0"/>
-              <a:t>)</a:t>
-            </a:r>
-          </a:p>
-          <a:p>
-            <a:pPr>
-              <a:buNone/>
-            </a:pPr>
-            <a:r>
-              <a:rPr lang="en-US" sz="4000" dirty="0" smtClean="0">
-                <a:hlinkClick r:id="rId5"/>
-              </a:rPr>
-              <a:t>https://towardsdatascience.com/audio-classification-with-pre-trained-vgg-19-keras-bca55c2a0efe</a:t>
-            </a:r>
-            <a:r>
-              <a:rPr lang="en-US" sz="4000" dirty="0" smtClean="0"/>
-              <a:t>  </a:t>
-            </a:r>
-            <a:br>
-              <a:rPr lang="en-US" sz="4000" dirty="0" smtClean="0"/>
-            </a:br>
-            <a:endParaRPr lang="en-US" sz="4000" dirty="0" smtClean="0"/>
-          </a:p>
-          <a:p>
-            <a:r>
-              <a:rPr lang="en-US" sz="6000" dirty="0" smtClean="0"/>
-              <a:t>Sound Event Classification: A to Z</a:t>
-            </a:r>
-          </a:p>
-          <a:p>
-            <a:pPr>
-              <a:buNone/>
-            </a:pPr>
-            <a:r>
-              <a:rPr lang="en-US" sz="4000" dirty="0" smtClean="0">
-                <a:hlinkClick r:id="rId6"/>
-              </a:rPr>
-              <a:t>https://towardsdatascience.com/sound-event-classification-using-machine-learning-8768092beafc</a:t>
-            </a:r>
-            <a:r>
-              <a:rPr lang="en-US" sz="4000" dirty="0" smtClean="0"/>
-              <a:t>  </a:t>
-            </a:r>
-          </a:p>
-          <a:p>
-            <a:pPr>
-              <a:buNone/>
-            </a:pPr>
-            <a:endParaRPr lang="en-US" dirty="0"/>
-          </a:p>
-        </p:txBody>
-      </p:sp>
+      </p:pic>
     </p:spTree>
   </p:cSld>
   <p:clrMapOvr>
     <a:masterClrMapping/>
   </p:clrMapOvr>
+  <p:timing>
+    <p:tnLst>
+      <p:par>
+        <p:cTn id="1" dur="indefinite" restart="never" nodeType="tmRoot"/>
+      </p:par>
+    </p:tnLst>
+  </p:timing>
+</p:sld>
+</file>
+
+<file path=ppt/slides/slide19.xml><?xml version="1.0" encoding="utf-8"?>
+<p:sld xmlns:a="http://schemas.openxmlformats.org/drawingml/2006/main" xmlns:r="http://schemas.openxmlformats.org/officeDocument/2006/relationships" xmlns:p="http://schemas.openxmlformats.org/presentationml/2006/main">
+  <p:cSld>
+    <p:spTree>
+      <p:nvGrpSpPr>
+        <p:cNvPr id="1" name=""/>
+        <p:cNvGrpSpPr/>
+        <p:nvPr/>
+      </p:nvGrpSpPr>
+      <p:grpSpPr>
+        <a:xfrm>
+          <a:off x="0" y="0"/>
+          <a:ext cx="0" cy="0"/>
+          <a:chOff x="0" y="0"/>
+          <a:chExt cx="0" cy="0"/>
+        </a:xfrm>
+      </p:grpSpPr>
+      <p:sp>
+        <p:nvSpPr>
+          <p:cNvPr id="2" name="Title 1"/>
+          <p:cNvSpPr>
+            <a:spLocks noGrp="1"/>
+          </p:cNvSpPr>
+          <p:nvPr>
+            <p:ph type="title"/>
+          </p:nvPr>
+        </p:nvSpPr>
+        <p:spPr/>
+        <p:txBody>
+          <a:bodyPr/>
+          <a:lstStyle/>
+          <a:p>
+            <a:r>
+              <a:rPr lang="en-US" dirty="0" smtClean="0"/>
+              <a:t>Conclusions</a:t>
+            </a:r>
+            <a:endParaRPr lang="en-US" dirty="0"/>
+          </a:p>
+        </p:txBody>
+      </p:sp>
+      <p:sp>
+        <p:nvSpPr>
+          <p:cNvPr id="3" name="Content Placeholder 2"/>
+          <p:cNvSpPr>
+            <a:spLocks noGrp="1"/>
+          </p:cNvSpPr>
+          <p:nvPr>
+            <p:ph idx="1"/>
+          </p:nvPr>
+        </p:nvSpPr>
+        <p:spPr/>
+        <p:txBody>
+          <a:bodyPr/>
+          <a:lstStyle/>
+          <a:p>
+            <a:r>
+              <a:rPr lang="en-US" sz="3600" dirty="0" smtClean="0"/>
+              <a:t>Spectrograms with a </a:t>
+            </a:r>
+            <a:r>
+              <a:rPr lang="en-US" sz="3600" dirty="0" err="1" smtClean="0"/>
+              <a:t>ConvNet</a:t>
+            </a:r>
+            <a:r>
+              <a:rPr lang="en-US" sz="3600" dirty="0" smtClean="0"/>
+              <a:t> are the simplest most common approach</a:t>
+            </a:r>
+          </a:p>
+          <a:p>
+            <a:r>
+              <a:rPr lang="en-US" sz="3600" dirty="0" smtClean="0"/>
+              <a:t>Using a flattened VGG-19 to extract audio features is powerful but mysterious</a:t>
+            </a:r>
+          </a:p>
+          <a:p>
+            <a:r>
+              <a:rPr lang="en-US" sz="3600" dirty="0" smtClean="0"/>
+              <a:t>A simple cloud environment can run 10 times as fast, using 10 times as much data</a:t>
+            </a:r>
+          </a:p>
+          <a:p>
+            <a:endParaRPr lang="en-US" dirty="0"/>
+          </a:p>
+        </p:txBody>
+      </p:sp>
+    </p:spTree>
+  </p:cSld>
+  <p:clrMapOvr>
+    <a:masterClrMapping/>
+  </p:clrMapOvr>
+  <p:timing>
+    <p:tnLst>
+      <p:par>
+        <p:cTn id="1" dur="indefinite" restart="never" nodeType="tmRoot"/>
+      </p:par>
+    </p:tnLst>
+  </p:timing>
 </p:sld>
 </file>
 
@@ -4142,6 +4259,335 @@
   <p:clrMapOvr>
     <a:masterClrMapping/>
   </p:clrMapOvr>
+</p:sld>
+</file>
+
+<file path=ppt/slides/slide20.xml><?xml version="1.0" encoding="utf-8"?>
+<p:sld xmlns:a="http://schemas.openxmlformats.org/drawingml/2006/main" xmlns:r="http://schemas.openxmlformats.org/officeDocument/2006/relationships" xmlns:p="http://schemas.openxmlformats.org/presentationml/2006/main">
+  <p:cSld>
+    <p:spTree>
+      <p:nvGrpSpPr>
+        <p:cNvPr id="1" name=""/>
+        <p:cNvGrpSpPr/>
+        <p:nvPr/>
+      </p:nvGrpSpPr>
+      <p:grpSpPr>
+        <a:xfrm>
+          <a:off x="0" y="0"/>
+          <a:ext cx="0" cy="0"/>
+          <a:chOff x="0" y="0"/>
+          <a:chExt cx="0" cy="0"/>
+        </a:xfrm>
+      </p:grpSpPr>
+      <p:sp>
+        <p:nvSpPr>
+          <p:cNvPr id="2" name="Title 1"/>
+          <p:cNvSpPr>
+            <a:spLocks noGrp="1"/>
+          </p:cNvSpPr>
+          <p:nvPr>
+            <p:ph type="title"/>
+          </p:nvPr>
+        </p:nvSpPr>
+        <p:spPr/>
+        <p:txBody>
+          <a:bodyPr/>
+          <a:lstStyle/>
+          <a:p>
+            <a:r>
+              <a:rPr lang="en-US" dirty="0" smtClean="0"/>
+              <a:t>Future Work</a:t>
+            </a:r>
+            <a:endParaRPr lang="en-US" dirty="0"/>
+          </a:p>
+        </p:txBody>
+      </p:sp>
+      <p:sp>
+        <p:nvSpPr>
+          <p:cNvPr id="3" name="Content Placeholder 2"/>
+          <p:cNvSpPr>
+            <a:spLocks noGrp="1"/>
+          </p:cNvSpPr>
+          <p:nvPr>
+            <p:ph idx="1"/>
+          </p:nvPr>
+        </p:nvSpPr>
+        <p:spPr>
+          <a:xfrm>
+            <a:off x="1219200" y="1600200"/>
+            <a:ext cx="7467600" cy="4525963"/>
+          </a:xfrm>
+        </p:spPr>
+        <p:txBody>
+          <a:bodyPr>
+            <a:normAutofit/>
+          </a:bodyPr>
+          <a:lstStyle/>
+          <a:p>
+            <a:pPr algn="ctr"/>
+            <a:endParaRPr lang="en-US" sz="4800" dirty="0" smtClean="0"/>
+          </a:p>
+          <a:p>
+            <a:r>
+              <a:rPr lang="en-US" sz="4800" dirty="0" smtClean="0"/>
+              <a:t>More data, more birds</a:t>
+            </a:r>
+          </a:p>
+          <a:p>
+            <a:r>
+              <a:rPr lang="en-US" sz="4800" dirty="0" smtClean="0"/>
+              <a:t>More advanced models</a:t>
+            </a:r>
+          </a:p>
+          <a:p>
+            <a:r>
+              <a:rPr lang="en-US" sz="4800" dirty="0" smtClean="0"/>
+              <a:t>Deploy in the field</a:t>
+            </a:r>
+            <a:endParaRPr lang="en-US" sz="4800" dirty="0"/>
+          </a:p>
+        </p:txBody>
+      </p:sp>
+    </p:spTree>
+  </p:cSld>
+  <p:clrMapOvr>
+    <a:masterClrMapping/>
+  </p:clrMapOvr>
+  <p:timing>
+    <p:tnLst>
+      <p:par>
+        <p:cTn id="1" dur="indefinite" restart="never" nodeType="tmRoot"/>
+      </p:par>
+    </p:tnLst>
+  </p:timing>
+</p:sld>
+</file>
+
+<file path=ppt/slides/slide21.xml><?xml version="1.0" encoding="utf-8"?>
+<p:sld xmlns:a="http://schemas.openxmlformats.org/drawingml/2006/main" xmlns:r="http://schemas.openxmlformats.org/officeDocument/2006/relationships" xmlns:p="http://schemas.openxmlformats.org/presentationml/2006/main">
+  <p:cSld>
+    <p:spTree>
+      <p:nvGrpSpPr>
+        <p:cNvPr id="1" name=""/>
+        <p:cNvGrpSpPr/>
+        <p:nvPr/>
+      </p:nvGrpSpPr>
+      <p:grpSpPr>
+        <a:xfrm>
+          <a:off x="0" y="0"/>
+          <a:ext cx="0" cy="0"/>
+          <a:chOff x="0" y="0"/>
+          <a:chExt cx="0" cy="0"/>
+        </a:xfrm>
+      </p:grpSpPr>
+      <p:sp>
+        <p:nvSpPr>
+          <p:cNvPr id="2" name="Title 1"/>
+          <p:cNvSpPr>
+            <a:spLocks noGrp="1"/>
+          </p:cNvSpPr>
+          <p:nvPr>
+            <p:ph type="title"/>
+          </p:nvPr>
+        </p:nvSpPr>
+        <p:spPr/>
+        <p:txBody>
+          <a:bodyPr/>
+          <a:lstStyle/>
+          <a:p>
+            <a:r>
+              <a:rPr lang="en-US" dirty="0" smtClean="0"/>
+              <a:t>Bibliography</a:t>
+            </a:r>
+            <a:endParaRPr lang="en-US" dirty="0"/>
+          </a:p>
+        </p:txBody>
+      </p:sp>
+      <p:sp>
+        <p:nvSpPr>
+          <p:cNvPr id="3" name="Content Placeholder 2"/>
+          <p:cNvSpPr>
+            <a:spLocks noGrp="1"/>
+          </p:cNvSpPr>
+          <p:nvPr>
+            <p:ph idx="1"/>
+          </p:nvPr>
+        </p:nvSpPr>
+        <p:spPr>
+          <a:xfrm>
+            <a:off x="457200" y="1600200"/>
+            <a:ext cx="8229600" cy="5105400"/>
+          </a:xfrm>
+        </p:spPr>
+        <p:txBody>
+          <a:bodyPr>
+            <a:normAutofit fontScale="40000" lnSpcReduction="20000"/>
+          </a:bodyPr>
+          <a:lstStyle/>
+          <a:p>
+            <a:r>
+              <a:rPr lang="en-US" sz="6000" dirty="0" smtClean="0"/>
+              <a:t>Beginner's Guide to Audio Data</a:t>
+            </a:r>
+          </a:p>
+          <a:p>
+            <a:pPr>
+              <a:buNone/>
+            </a:pPr>
+            <a:r>
+              <a:rPr lang="en-US" sz="4500" dirty="0" smtClean="0">
+                <a:hlinkClick r:id="rId2"/>
+              </a:rPr>
+              <a:t>https://www.kaggle.com/fizzbuzz/beginner-s-guide-to-audio-data</a:t>
+            </a:r>
+            <a:endParaRPr lang="en-US" sz="4500" dirty="0" smtClean="0"/>
+          </a:p>
+          <a:p>
+            <a:pPr>
+              <a:buNone/>
+            </a:pPr>
+            <a:endParaRPr lang="en-US" sz="4000" dirty="0" smtClean="0"/>
+          </a:p>
+          <a:p>
+            <a:r>
+              <a:rPr lang="en-US" sz="6000" dirty="0" smtClean="0"/>
+              <a:t>How to apply machine learning and deep learning methods to audio analysis</a:t>
+            </a:r>
+          </a:p>
+          <a:p>
+            <a:pPr>
+              <a:buNone/>
+            </a:pPr>
+            <a:r>
+              <a:rPr lang="en-US" sz="4000" dirty="0" smtClean="0">
+                <a:hlinkClick r:id="rId3"/>
+              </a:rPr>
+              <a:t>https://towardsdatascience.com/how-to-apply-machine-learning-and-deep-learning-methods-to-audio-analysis-615e286fcbbc</a:t>
+            </a:r>
+            <a:r>
+              <a:rPr lang="en-US" sz="4000" dirty="0" smtClean="0"/>
+              <a:t/>
+            </a:r>
+            <a:br>
+              <a:rPr lang="en-US" sz="4000" dirty="0" smtClean="0"/>
+            </a:br>
+            <a:endParaRPr lang="en-US" sz="4000" dirty="0" smtClean="0"/>
+          </a:p>
+          <a:p>
+            <a:r>
+              <a:rPr lang="en-US" sz="6000" dirty="0" smtClean="0"/>
+              <a:t>Urban Sound Classification using </a:t>
+            </a:r>
+            <a:r>
+              <a:rPr lang="en-US" sz="6000" dirty="0" err="1" smtClean="0"/>
+              <a:t>Convolutional</a:t>
+            </a:r>
+            <a:r>
+              <a:rPr lang="en-US" sz="6000" dirty="0" smtClean="0"/>
+              <a:t> Neural Networks with </a:t>
+            </a:r>
+            <a:r>
+              <a:rPr lang="en-US" sz="6000" dirty="0" err="1" smtClean="0"/>
+              <a:t>Keras</a:t>
+            </a:r>
+            <a:r>
+              <a:rPr lang="en-US" sz="6000" dirty="0" smtClean="0"/>
+              <a:t>: Theory and Implementation</a:t>
+            </a:r>
+          </a:p>
+          <a:p>
+            <a:pPr>
+              <a:buNone/>
+            </a:pPr>
+            <a:r>
+              <a:rPr lang="en-US" sz="4000" dirty="0" smtClean="0">
+                <a:hlinkClick r:id="rId4"/>
+              </a:rPr>
+              <a:t>https://medium.com/gradientcrescent/urban-sound-classification-using-convolutional-neural-networks-with-keras-theory-and-486e92785df4</a:t>
+            </a:r>
+            <a:r>
+              <a:rPr lang="en-US" sz="4000" dirty="0" smtClean="0"/>
+              <a:t> </a:t>
+            </a:r>
+            <a:br>
+              <a:rPr lang="en-US" sz="4000" dirty="0" smtClean="0"/>
+            </a:br>
+            <a:endParaRPr lang="en-US" sz="4000" dirty="0" smtClean="0"/>
+          </a:p>
+          <a:p>
+            <a:r>
+              <a:rPr lang="en-US" sz="6000" dirty="0" smtClean="0"/>
+              <a:t>Audio Classification with Pre-trained VGG-19 (</a:t>
+            </a:r>
+            <a:r>
+              <a:rPr lang="en-US" sz="6000" dirty="0" err="1" smtClean="0"/>
+              <a:t>Keras</a:t>
+            </a:r>
+            <a:r>
+              <a:rPr lang="en-US" sz="6000" dirty="0" smtClean="0"/>
+              <a:t>)</a:t>
+            </a:r>
+          </a:p>
+          <a:p>
+            <a:pPr>
+              <a:buNone/>
+            </a:pPr>
+            <a:r>
+              <a:rPr lang="en-US" sz="4000" dirty="0" smtClean="0">
+                <a:hlinkClick r:id="rId5"/>
+              </a:rPr>
+              <a:t>https://towardsdatascience.com/audio-classification-with-pre-trained-vgg-19-keras-bca55c2a0efe</a:t>
+            </a:r>
+            <a:r>
+              <a:rPr lang="en-US" sz="4000" dirty="0" smtClean="0"/>
+              <a:t>  </a:t>
+            </a:r>
+            <a:br>
+              <a:rPr lang="en-US" sz="4000" dirty="0" smtClean="0"/>
+            </a:br>
+            <a:endParaRPr lang="en-US" sz="4000" dirty="0" smtClean="0"/>
+          </a:p>
+          <a:p>
+            <a:r>
+              <a:rPr lang="en-US" sz="6000" dirty="0" smtClean="0"/>
+              <a:t>Sound Event Classification: A to Z</a:t>
+            </a:r>
+          </a:p>
+          <a:p>
+            <a:pPr>
+              <a:buNone/>
+            </a:pPr>
+            <a:r>
+              <a:rPr lang="en-US" sz="4000" dirty="0" smtClean="0">
+                <a:hlinkClick r:id="rId6"/>
+              </a:rPr>
+              <a:t>https://towardsdatascience.com/sound-event-classification-using-machine-learning-8768092beafc</a:t>
+            </a:r>
+            <a:r>
+              <a:rPr lang="en-US" sz="4000" dirty="0" smtClean="0"/>
+              <a:t>  </a:t>
+            </a:r>
+          </a:p>
+          <a:p>
+            <a:pPr>
+              <a:buNone/>
+            </a:pPr>
+            <a:endParaRPr lang="en-US" dirty="0"/>
+          </a:p>
+        </p:txBody>
+      </p:sp>
+    </p:spTree>
+  </p:cSld>
+  <p:clrMapOvr>
+    <a:masterClrMapping/>
+  </p:clrMapOvr>
+  <p:timing>
+    <p:tnLst>
+      <p:par>
+        <p:cTn id="1" dur="indefinite" restart="never" nodeType="tmRoot"/>
+      </p:par>
+    </p:tnLst>
+  </p:timing>
 </p:sld>
 </file>
 
@@ -4447,34 +4893,48 @@
         </p:nvSpPr>
         <p:spPr/>
         <p:txBody>
-          <a:bodyPr/>
-          <a:lstStyle/>
-          <a:p>
-            <a:r>
-              <a:rPr lang="en-US" dirty="0" smtClean="0"/>
-              <a:t>Feature extraction with spectrograms, train a </a:t>
-            </a:r>
-            <a:r>
-              <a:rPr lang="en-US" dirty="0" err="1" smtClean="0"/>
+          <a:bodyPr>
+            <a:noAutofit/>
+          </a:bodyPr>
+          <a:lstStyle/>
+          <a:p>
+            <a:r>
+              <a:rPr lang="en-US" sz="4000" dirty="0" smtClean="0"/>
+              <a:t>Feature extraction with </a:t>
+            </a:r>
+            <a:r>
+              <a:rPr lang="en-US" sz="4000" dirty="0" err="1" smtClean="0"/>
+              <a:t>Librosa</a:t>
+            </a:r>
+            <a:r>
+              <a:rPr lang="en-US" sz="4000" dirty="0" smtClean="0"/>
+              <a:t> spectrograms, train a </a:t>
+            </a:r>
+            <a:r>
+              <a:rPr lang="en-US" sz="4000" dirty="0" err="1" smtClean="0"/>
+              <a:t>keras</a:t>
+            </a:r>
+            <a:r>
+              <a:rPr lang="en-US" sz="4000" dirty="0" smtClean="0"/>
+              <a:t> </a:t>
+            </a:r>
+            <a:r>
+              <a:rPr lang="en-US" sz="4000" dirty="0" err="1" smtClean="0"/>
               <a:t>Convolutional</a:t>
             </a:r>
             <a:r>
-              <a:rPr lang="en-US" dirty="0" smtClean="0"/>
+              <a:rPr lang="en-US" sz="4000" dirty="0" smtClean="0"/>
               <a:t> Network from scratch</a:t>
             </a:r>
           </a:p>
           <a:p>
-            <a:r>
-              <a:rPr lang="en-US" dirty="0" smtClean="0"/>
-              <a:t>Feature extraction with a flattened, pre-trained VGG-19, training and inference with an SVC (support vector classifier)</a:t>
-            </a:r>
-          </a:p>
-          <a:p>
-            <a:r>
-              <a:rPr lang="en-US" dirty="0" smtClean="0"/>
-              <a:t>A search for an approach to features that would work for an LSTM or other sequential neural network</a:t>
-            </a:r>
-            <a:endParaRPr lang="en-US" dirty="0"/>
+            <a:endParaRPr lang="en-US" sz="4000" dirty="0" smtClean="0"/>
+          </a:p>
+          <a:p>
+            <a:r>
+              <a:rPr lang="en-US" sz="4000" dirty="0" smtClean="0"/>
+              <a:t>Feature extraction with a pre-trained VGG-19, training and inference with an SVC (support vector classifier)</a:t>
+            </a:r>
           </a:p>
         </p:txBody>
       </p:sp>
@@ -4705,102 +5165,38 @@
         </p:nvSpPr>
         <p:spPr/>
         <p:txBody>
-          <a:bodyPr>
-            <a:normAutofit fontScale="90000"/>
-          </a:bodyPr>
-          <a:lstStyle/>
-          <a:p>
-            <a:r>
-              <a:rPr lang="en-US" dirty="0" err="1" smtClean="0"/>
-              <a:t>Explainability</a:t>
-            </a:r>
+          <a:bodyPr/>
+          <a:lstStyle/>
+          <a:p>
             <a:r>
               <a:rPr lang="en-US" dirty="0" smtClean="0"/>
-              <a:t>:</a:t>
-            </a:r>
-            <a:br>
-              <a:rPr lang="en-US" dirty="0" smtClean="0"/>
-            </a:br>
-            <a:r>
-              <a:rPr lang="en-US" dirty="0" smtClean="0"/>
-              <a:t>Voodoo &amp; Robot Dreams</a:t>
+              <a:t>A closer look: 2.7M weights</a:t>
             </a:r>
             <a:endParaRPr lang="en-US" dirty="0"/>
-          </a:p>
-        </p:txBody>
-      </p:sp>
-      <p:sp>
-        <p:nvSpPr>
-          <p:cNvPr id="3" name="Content Placeholder 2"/>
-          <p:cNvSpPr>
-            <a:spLocks noGrp="1"/>
-          </p:cNvSpPr>
-          <p:nvPr>
-            <p:ph idx="1"/>
-          </p:nvPr>
-        </p:nvSpPr>
-        <p:spPr/>
-        <p:txBody>
-          <a:bodyPr/>
-          <a:lstStyle/>
-          <a:p>
-            <a:endParaRPr lang="en-US" dirty="0" smtClean="0"/>
-          </a:p>
-          <a:p>
-            <a:endParaRPr lang="en-US" dirty="0" smtClean="0"/>
-          </a:p>
-          <a:p>
-            <a:endParaRPr lang="en-US" dirty="0"/>
-          </a:p>
-          <a:p>
-            <a:endParaRPr lang="en-US" dirty="0" smtClean="0"/>
-          </a:p>
-          <a:p>
-            <a:endParaRPr lang="en-US" dirty="0" smtClean="0"/>
-          </a:p>
-          <a:p>
-            <a:endParaRPr lang="en-US" dirty="0"/>
-          </a:p>
-          <a:p>
-            <a:endParaRPr lang="en-US" dirty="0"/>
-          </a:p>
-          <a:p>
-            <a:r>
-              <a:rPr lang="en-US" sz="2000" dirty="0" smtClean="0"/>
-              <a:t>Image: </a:t>
-            </a:r>
-            <a:r>
-              <a:rPr lang="en-US" sz="2000" dirty="0">
-                <a:hlinkClick r:id="rId2"/>
-              </a:rPr>
-              <a:t>https://sites.google.com/site/aidysft/objectdetection/more-gadgets</a:t>
-            </a:r>
-            <a:endParaRPr lang="en-US" sz="2000" dirty="0"/>
           </a:p>
         </p:txBody>
       </p:sp>
       <p:pic>
         <p:nvPicPr>
-          <p:cNvPr id="4" name="Picture 3" descr="1 cufAO77aeSWdShs3ba5ndg.jpeg"/>
+          <p:cNvPr id="4" name="Content Placeholder 3" descr="clase-cnn.png"/>
           <p:cNvPicPr>
-            <a:picLocks noChangeAspect="1"/>
+            <a:picLocks noGrp="1" noChangeAspect="1"/>
           </p:cNvPicPr>
-          <p:nvPr/>
+          <p:nvPr>
+            <p:ph idx="1"/>
+          </p:nvPr>
         </p:nvPicPr>
         <p:blipFill>
-          <a:blip r:embed="rId3"/>
+          <a:blip r:embed="rId2"/>
           <a:stretch>
             <a:fillRect/>
           </a:stretch>
         </p:blipFill>
         <p:spPr>
           <a:xfrm>
-            <a:off x="1836737" y="1604010"/>
-            <a:ext cx="5374105" cy="4034790"/>
+            <a:off x="1193330" y="1600200"/>
+            <a:ext cx="6928328" cy="4953000"/>
           </a:xfrm>
-          <a:prstGeom prst="rect">
-            <a:avLst/>
-          </a:prstGeom>
         </p:spPr>
       </p:pic>
     </p:spTree>
@@ -4840,46 +5236,110 @@
         </p:nvSpPr>
         <p:spPr/>
         <p:txBody>
-          <a:bodyPr/>
-          <a:lstStyle/>
-          <a:p>
+          <a:bodyPr>
+            <a:normAutofit fontScale="90000"/>
+          </a:bodyPr>
+          <a:lstStyle/>
+          <a:p>
+            <a:r>
+              <a:rPr lang="en-US" dirty="0" err="1" smtClean="0"/>
+              <a:t>Explainability</a:t>
+            </a:r>
             <a:r>
               <a:rPr lang="en-US" dirty="0" smtClean="0"/>
-              <a:t>My </a:t>
-            </a:r>
-            <a:r>
-              <a:rPr lang="en-US" dirty="0" err="1" smtClean="0"/>
-              <a:t>Favourite</a:t>
-            </a:r>
-            <a:r>
+              <a:t>:</a:t>
+            </a:r>
+            <a:br>
               <a:rPr lang="en-US" dirty="0" smtClean="0"/>
-              <a:t> Chunk of Code</a:t>
+            </a:br>
+            <a:r>
+              <a:rPr lang="en-US" dirty="0" smtClean="0"/>
+              <a:t>Voodoo &amp; Robot Dreams</a:t>
             </a:r>
             <a:endParaRPr lang="en-US" dirty="0"/>
+          </a:p>
+        </p:txBody>
+      </p:sp>
+      <p:sp>
+        <p:nvSpPr>
+          <p:cNvPr id="3" name="Content Placeholder 2"/>
+          <p:cNvSpPr>
+            <a:spLocks noGrp="1"/>
+          </p:cNvSpPr>
+          <p:nvPr>
+            <p:ph idx="1"/>
+          </p:nvPr>
+        </p:nvSpPr>
+        <p:spPr>
+          <a:xfrm>
+            <a:off x="457200" y="1600200"/>
+            <a:ext cx="8229600" cy="5105400"/>
+          </a:xfrm>
+        </p:spPr>
+        <p:txBody>
+          <a:bodyPr/>
+          <a:lstStyle/>
+          <a:p>
+            <a:endParaRPr lang="en-US" dirty="0" smtClean="0"/>
+          </a:p>
+          <a:p>
+            <a:endParaRPr lang="en-US" dirty="0" smtClean="0"/>
+          </a:p>
+          <a:p>
+            <a:endParaRPr lang="en-US" dirty="0"/>
+          </a:p>
+          <a:p>
+            <a:endParaRPr lang="en-US" dirty="0" smtClean="0"/>
+          </a:p>
+          <a:p>
+            <a:endParaRPr lang="en-US" dirty="0" smtClean="0"/>
+          </a:p>
+          <a:p>
+            <a:endParaRPr lang="en-US" dirty="0"/>
+          </a:p>
+          <a:p>
+            <a:endParaRPr lang="en-US" dirty="0"/>
+          </a:p>
+          <a:p>
+            <a:endParaRPr lang="en-US" sz="2000" dirty="0" smtClean="0"/>
+          </a:p>
+          <a:p>
+            <a:r>
+              <a:rPr lang="en-US" sz="2000" dirty="0" smtClean="0"/>
+              <a:t>Image: </a:t>
+            </a:r>
+            <a:r>
+              <a:rPr lang="en-US" sz="2000" dirty="0">
+                <a:hlinkClick r:id="rId2"/>
+              </a:rPr>
+              <a:t>https://sites.google.com/site/aidysft/objectdetection/more-gadgets</a:t>
+            </a:r>
+            <a:endParaRPr lang="en-US" sz="2000" dirty="0"/>
           </a:p>
         </p:txBody>
       </p:sp>
       <p:pic>
         <p:nvPicPr>
-          <p:cNvPr id="4" name="Content Placeholder 3" descr="fave_code.png"/>
+          <p:cNvPr id="4" name="Picture 3" descr="1 cufAO77aeSWdShs3ba5ndg.jpeg"/>
           <p:cNvPicPr>
-            <a:picLocks noGrp="1" noChangeAspect="1"/>
+            <a:picLocks noChangeAspect="1"/>
           </p:cNvPicPr>
-          <p:nvPr>
-            <p:ph idx="1"/>
-          </p:nvPr>
+          <p:nvPr/>
         </p:nvPicPr>
         <p:blipFill>
-          <a:blip r:embed="rId2"/>
+          <a:blip r:embed="rId3"/>
           <a:stretch>
             <a:fillRect/>
           </a:stretch>
         </p:blipFill>
         <p:spPr>
           <a:xfrm>
-            <a:off x="-1" y="1828800"/>
-            <a:ext cx="9144001" cy="3910520"/>
+            <a:off x="1532255" y="1604010"/>
+            <a:ext cx="6011545" cy="4513369"/>
           </a:xfrm>
+          <a:prstGeom prst="rect">
+            <a:avLst/>
+          </a:prstGeom>
         </p:spPr>
       </p:pic>
     </p:spTree>
@@ -4887,6 +5347,13 @@
   <p:clrMapOvr>
     <a:masterClrMapping/>
   </p:clrMapOvr>
+  <p:timing>
+    <p:tnLst>
+      <p:par>
+        <p:cTn id="1" dur="indefinite" restart="never" nodeType="tmRoot"/>
+      </p:par>
+    </p:tnLst>
+  </p:timing>
 </p:sld>
 </file>
 
